--- a/docs/deployment_guide/images/qs-mongodb-sagemaker.pptx
+++ b/docs/deployment_guide/images/qs-mongodb-sagemaker.pptx
@@ -7,6 +7,7 @@
   </p:sldMasterIdLst>
   <p:sldIdLst>
     <p:sldId id="256" r:id="rId3"/>
+    <p:sldId id="257" r:id="rId4"/>
   </p:sldIdLst>
   <p:sldSz cx="12192000" cy="6858000"/>
   <p:notesSz cx="6858000" cy="9144000"/>
@@ -105,6 +106,11 @@
       </a:defRPr>
     </a:lvl9pPr>
   </p:defaultTextStyle>
+  <p:extLst>
+    <p:ext uri="{EFAFB233-063F-42B5-8137-9DF3F51BA10A}">
+      <p15:sldGuideLst xmlns:p15="http://schemas.microsoft.com/office/powerpoint/2012/main"/>
+    </p:ext>
+  </p:extLst>
 </p:presentation>
 </file>
 
@@ -255,7 +261,7 @@
           <a:p>
             <a:fld id="{1FFF9DE1-965E-C64B-B7D6-2109E9BE2BAF}" type="datetimeFigureOut">
               <a:rPr lang="en-US" smtClean="0"/>
-              <a:t>3/30/23</a:t>
+              <a:t>4/4/2023</a:t>
             </a:fld>
             <a:endParaRPr lang="en-US"/>
           </a:p>
@@ -453,7 +459,7 @@
           <a:p>
             <a:fld id="{1FFF9DE1-965E-C64B-B7D6-2109E9BE2BAF}" type="datetimeFigureOut">
               <a:rPr lang="en-US" smtClean="0"/>
-              <a:t>3/30/23</a:t>
+              <a:t>4/4/2023</a:t>
             </a:fld>
             <a:endParaRPr lang="en-US"/>
           </a:p>
@@ -661,7 +667,7 @@
           <a:p>
             <a:fld id="{1FFF9DE1-965E-C64B-B7D6-2109E9BE2BAF}" type="datetimeFigureOut">
               <a:rPr lang="en-US" smtClean="0"/>
-              <a:t>3/30/23</a:t>
+              <a:t>4/4/2023</a:t>
             </a:fld>
             <a:endParaRPr lang="en-US"/>
           </a:p>
@@ -859,7 +865,7 @@
           <a:p>
             <a:fld id="{1FFF9DE1-965E-C64B-B7D6-2109E9BE2BAF}" type="datetimeFigureOut">
               <a:rPr lang="en-US" smtClean="0"/>
-              <a:t>3/30/23</a:t>
+              <a:t>4/4/2023</a:t>
             </a:fld>
             <a:endParaRPr lang="en-US"/>
           </a:p>
@@ -1134,7 +1140,7 @@
           <a:p>
             <a:fld id="{1FFF9DE1-965E-C64B-B7D6-2109E9BE2BAF}" type="datetimeFigureOut">
               <a:rPr lang="en-US" smtClean="0"/>
-              <a:t>3/30/23</a:t>
+              <a:t>4/4/2023</a:t>
             </a:fld>
             <a:endParaRPr lang="en-US"/>
           </a:p>
@@ -1399,7 +1405,7 @@
           <a:p>
             <a:fld id="{1FFF9DE1-965E-C64B-B7D6-2109E9BE2BAF}" type="datetimeFigureOut">
               <a:rPr lang="en-US" smtClean="0"/>
-              <a:t>3/30/23</a:t>
+              <a:t>4/4/2023</a:t>
             </a:fld>
             <a:endParaRPr lang="en-US"/>
           </a:p>
@@ -1811,7 +1817,7 @@
           <a:p>
             <a:fld id="{1FFF9DE1-965E-C64B-B7D6-2109E9BE2BAF}" type="datetimeFigureOut">
               <a:rPr lang="en-US" smtClean="0"/>
-              <a:t>3/30/23</a:t>
+              <a:t>4/4/2023</a:t>
             </a:fld>
             <a:endParaRPr lang="en-US"/>
           </a:p>
@@ -1952,7 +1958,7 @@
           <a:p>
             <a:fld id="{1FFF9DE1-965E-C64B-B7D6-2109E9BE2BAF}" type="datetimeFigureOut">
               <a:rPr lang="en-US" smtClean="0"/>
-              <a:t>3/30/23</a:t>
+              <a:t>4/4/2023</a:t>
             </a:fld>
             <a:endParaRPr lang="en-US"/>
           </a:p>
@@ -2065,7 +2071,7 @@
           <a:p>
             <a:fld id="{1FFF9DE1-965E-C64B-B7D6-2109E9BE2BAF}" type="datetimeFigureOut">
               <a:rPr lang="en-US" smtClean="0"/>
-              <a:t>3/30/23</a:t>
+              <a:t>4/4/2023</a:t>
             </a:fld>
             <a:endParaRPr lang="en-US"/>
           </a:p>
@@ -2376,7 +2382,7 @@
           <a:p>
             <a:fld id="{1FFF9DE1-965E-C64B-B7D6-2109E9BE2BAF}" type="datetimeFigureOut">
               <a:rPr lang="en-US" smtClean="0"/>
-              <a:t>3/30/23</a:t>
+              <a:t>4/4/2023</a:t>
             </a:fld>
             <a:endParaRPr lang="en-US"/>
           </a:p>
@@ -2664,7 +2670,7 @@
           <a:p>
             <a:fld id="{1FFF9DE1-965E-C64B-B7D6-2109E9BE2BAF}" type="datetimeFigureOut">
               <a:rPr lang="en-US" smtClean="0"/>
-              <a:t>3/30/23</a:t>
+              <a:t>4/4/2023</a:t>
             </a:fld>
             <a:endParaRPr lang="en-US"/>
           </a:p>
@@ -2905,7 +2911,7 @@
           <a:p>
             <a:fld id="{1FFF9DE1-965E-C64B-B7D6-2109E9BE2BAF}" type="datetimeFigureOut">
               <a:rPr lang="en-US" smtClean="0"/>
-              <a:t>3/30/23</a:t>
+              <a:t>4/4/2023</a:t>
             </a:fld>
             <a:endParaRPr lang="en-US"/>
           </a:p>
@@ -7933,6 +7939,3463 @@
 </p:sld>
 </file>
 
+<file path=ppt/slides/slide2.xml><?xml version="1.0" encoding="utf-8"?>
+<p:sld xmlns:a="http://schemas.openxmlformats.org/drawingml/2006/main" xmlns:r="http://schemas.openxmlformats.org/officeDocument/2006/relationships" xmlns:p="http://schemas.openxmlformats.org/presentationml/2006/main">
+  <p:cSld>
+    <p:spTree>
+      <p:nvGrpSpPr>
+        <p:cNvPr id="1" name=""/>
+        <p:cNvGrpSpPr/>
+        <p:nvPr/>
+      </p:nvGrpSpPr>
+      <p:grpSpPr>
+        <a:xfrm>
+          <a:off x="0" y="0"/>
+          <a:ext cx="0" cy="0"/>
+          <a:chOff x="0" y="0"/>
+          <a:chExt cx="0" cy="0"/>
+        </a:xfrm>
+      </p:grpSpPr>
+      <p:sp>
+        <p:nvSpPr>
+          <p:cNvPr id="2" name="Rectangle 1">
+            <a:extLst>
+              <a:ext uri="{FF2B5EF4-FFF2-40B4-BE49-F238E27FC236}">
+                <a16:creationId xmlns:a16="http://schemas.microsoft.com/office/drawing/2014/main" id="{84D20F2F-90D2-483F-B24E-434F46EB0A0F}"/>
+              </a:ext>
+            </a:extLst>
+          </p:cNvPr>
+          <p:cNvSpPr/>
+          <p:nvPr/>
+        </p:nvSpPr>
+        <p:spPr>
+          <a:xfrm>
+            <a:off x="1166649" y="714170"/>
+            <a:ext cx="9592686" cy="4236202"/>
+          </a:xfrm>
+          <a:prstGeom prst="rect">
+            <a:avLst/>
+          </a:prstGeom>
+          <a:noFill/>
+          <a:ln w="12700">
+            <a:solidFill>
+              <a:schemeClr val="tx1"/>
+            </a:solidFill>
+          </a:ln>
+        </p:spPr>
+        <p:style>
+          <a:lnRef idx="2">
+            <a:schemeClr val="accent1">
+              <a:shade val="50000"/>
+            </a:schemeClr>
+          </a:lnRef>
+          <a:fillRef idx="1">
+            <a:schemeClr val="accent1"/>
+          </a:fillRef>
+          <a:effectRef idx="0">
+            <a:schemeClr val="accent1"/>
+          </a:effectRef>
+          <a:fontRef idx="minor">
+            <a:schemeClr val="lt1"/>
+          </a:fontRef>
+        </p:style>
+        <p:txBody>
+          <a:bodyPr lIns="502920" tIns="91440"/>
+          <a:lstStyle/>
+          <a:p>
+            <a:pPr eaLnBrk="1" fontAlgn="auto" hangingPunct="1">
+              <a:spcBef>
+                <a:spcPts val="0"/>
+              </a:spcBef>
+              <a:spcAft>
+                <a:spcPts val="0"/>
+              </a:spcAft>
+              <a:defRPr/>
+            </a:pPr>
+            <a:r>
+              <a:rPr lang="en-US" sz="1200">
+                <a:solidFill>
+                  <a:sysClr val="windowText" lastClr="000000"/>
+                </a:solidFill>
+                <a:latin typeface="Arial" panose="020B0604020202020204" pitchFamily="34" charset="0"/>
+                <a:cs typeface="Arial" panose="020B0604020202020204" pitchFamily="34" charset="0"/>
+              </a:rPr>
+              <a:t>AWS Cloud</a:t>
+            </a:r>
+          </a:p>
+        </p:txBody>
+      </p:sp>
+      <p:pic>
+        <p:nvPicPr>
+          <p:cNvPr id="3" name="Graphic 2">
+            <a:extLst>
+              <a:ext uri="{FF2B5EF4-FFF2-40B4-BE49-F238E27FC236}">
+                <a16:creationId xmlns:a16="http://schemas.microsoft.com/office/drawing/2014/main" id="{9F92C9DD-AB44-4A45-9F43-A58AB6CBC3CD}"/>
+              </a:ext>
+            </a:extLst>
+          </p:cNvPr>
+          <p:cNvPicPr>
+            <a:picLocks noChangeAspect="1"/>
+          </p:cNvPicPr>
+          <p:nvPr/>
+        </p:nvPicPr>
+        <p:blipFill>
+          <a:blip r:embed="rId2">
+            <a:extLst>
+              <a:ext uri="{96DAC541-7B7A-43D3-8B79-37D633B846F1}">
+                <asvg:svgBlip xmlns:asvg="http://schemas.microsoft.com/office/drawing/2016/SVG/main" r:embed="rId3"/>
+              </a:ext>
+            </a:extLst>
+          </a:blip>
+          <a:srcRect/>
+          <a:stretch/>
+        </p:blipFill>
+        <p:spPr>
+          <a:xfrm>
+            <a:off x="1166648" y="714170"/>
+            <a:ext cx="381000" cy="381000"/>
+          </a:xfrm>
+          <a:prstGeom prst="rect">
+            <a:avLst/>
+          </a:prstGeom>
+        </p:spPr>
+      </p:pic>
+      <p:pic>
+        <p:nvPicPr>
+          <p:cNvPr id="5" name="Graphic 4">
+            <a:extLst>
+              <a:ext uri="{FF2B5EF4-FFF2-40B4-BE49-F238E27FC236}">
+                <a16:creationId xmlns:a16="http://schemas.microsoft.com/office/drawing/2014/main" id="{F96E5527-7E81-4508-8661-A0A5BAFDD9D8}"/>
+              </a:ext>
+            </a:extLst>
+          </p:cNvPr>
+          <p:cNvPicPr>
+            <a:picLocks noChangeAspect="1"/>
+          </p:cNvPicPr>
+          <p:nvPr/>
+        </p:nvPicPr>
+        <p:blipFill>
+          <a:blip r:embed="rId4">
+            <a:extLst>
+              <a:ext uri="{96DAC541-7B7A-43D3-8B79-37D633B846F1}">
+                <asvg:svgBlip xmlns:asvg="http://schemas.microsoft.com/office/drawing/2016/SVG/main" r:embed="rId5"/>
+              </a:ext>
+            </a:extLst>
+          </a:blip>
+          <a:stretch>
+            <a:fillRect/>
+          </a:stretch>
+        </p:blipFill>
+        <p:spPr>
+          <a:xfrm>
+            <a:off x="1480967" y="1142320"/>
+            <a:ext cx="381000" cy="381000"/>
+          </a:xfrm>
+          <a:prstGeom prst="rect">
+            <a:avLst/>
+          </a:prstGeom>
+        </p:spPr>
+      </p:pic>
+      <p:sp>
+        <p:nvSpPr>
+          <p:cNvPr id="4" name="Rectangle 3">
+            <a:extLst>
+              <a:ext uri="{FF2B5EF4-FFF2-40B4-BE49-F238E27FC236}">
+                <a16:creationId xmlns:a16="http://schemas.microsoft.com/office/drawing/2014/main" id="{B9496CCE-6003-4796-9038-F9135A85B7C7}"/>
+              </a:ext>
+            </a:extLst>
+          </p:cNvPr>
+          <p:cNvSpPr/>
+          <p:nvPr/>
+        </p:nvSpPr>
+        <p:spPr>
+          <a:xfrm>
+            <a:off x="1486218" y="1142320"/>
+            <a:ext cx="1819103" cy="3566160"/>
+          </a:xfrm>
+          <a:prstGeom prst="rect">
+            <a:avLst/>
+          </a:prstGeom>
+          <a:noFill/>
+          <a:ln w="12700">
+            <a:solidFill>
+              <a:srgbClr val="CD2264"/>
+            </a:solidFill>
+          </a:ln>
+        </p:spPr>
+        <p:style>
+          <a:lnRef idx="2">
+            <a:schemeClr val="accent1">
+              <a:shade val="50000"/>
+            </a:schemeClr>
+          </a:lnRef>
+          <a:fillRef idx="1">
+            <a:schemeClr val="accent1"/>
+          </a:fillRef>
+          <a:effectRef idx="0">
+            <a:schemeClr val="accent1"/>
+          </a:effectRef>
+          <a:fontRef idx="minor">
+            <a:schemeClr val="lt1"/>
+          </a:fontRef>
+        </p:style>
+        <p:txBody>
+          <a:bodyPr lIns="502920" tIns="91440"/>
+          <a:lstStyle/>
+          <a:p>
+            <a:pPr eaLnBrk="1" fontAlgn="auto" hangingPunct="1">
+              <a:spcBef>
+                <a:spcPts val="0"/>
+              </a:spcBef>
+              <a:spcAft>
+                <a:spcPts val="0"/>
+              </a:spcAft>
+              <a:defRPr/>
+            </a:pPr>
+            <a:r>
+              <a:rPr lang="en-US" sz="1200" dirty="0">
+                <a:solidFill>
+                  <a:srgbClr val="CD2264"/>
+                </a:solidFill>
+                <a:latin typeface="Arial" panose="020B0604020202020204" pitchFamily="34" charset="0"/>
+                <a:cs typeface="Arial" panose="020B0604020202020204" pitchFamily="34" charset="0"/>
+              </a:rPr>
+              <a:t>MongoDB SaaS account</a:t>
+            </a:r>
+          </a:p>
+        </p:txBody>
+      </p:sp>
+      <p:sp>
+        <p:nvSpPr>
+          <p:cNvPr id="6" name="Rectangle 5">
+            <a:extLst>
+              <a:ext uri="{FF2B5EF4-FFF2-40B4-BE49-F238E27FC236}">
+                <a16:creationId xmlns:a16="http://schemas.microsoft.com/office/drawing/2014/main" id="{9DAC9B50-069C-45E7-A502-84AADA743EA5}"/>
+              </a:ext>
+            </a:extLst>
+          </p:cNvPr>
+          <p:cNvSpPr/>
+          <p:nvPr/>
+        </p:nvSpPr>
+        <p:spPr>
+          <a:xfrm>
+            <a:off x="4042023" y="1145178"/>
+            <a:ext cx="6414310" cy="3566160"/>
+          </a:xfrm>
+          <a:prstGeom prst="rect">
+            <a:avLst/>
+          </a:prstGeom>
+          <a:noFill/>
+          <a:ln w="12700">
+            <a:solidFill>
+              <a:srgbClr val="CD2264"/>
+            </a:solidFill>
+          </a:ln>
+        </p:spPr>
+        <p:style>
+          <a:lnRef idx="2">
+            <a:schemeClr val="accent1">
+              <a:shade val="50000"/>
+            </a:schemeClr>
+          </a:lnRef>
+          <a:fillRef idx="1">
+            <a:schemeClr val="accent1"/>
+          </a:fillRef>
+          <a:effectRef idx="0">
+            <a:schemeClr val="accent1"/>
+          </a:effectRef>
+          <a:fontRef idx="minor">
+            <a:schemeClr val="lt1"/>
+          </a:fontRef>
+        </p:style>
+        <p:txBody>
+          <a:bodyPr lIns="502920" tIns="91440"/>
+          <a:lstStyle/>
+          <a:p>
+            <a:pPr eaLnBrk="1" fontAlgn="auto" hangingPunct="1">
+              <a:spcBef>
+                <a:spcPts val="0"/>
+              </a:spcBef>
+              <a:spcAft>
+                <a:spcPts val="0"/>
+              </a:spcAft>
+              <a:defRPr/>
+            </a:pPr>
+            <a:r>
+              <a:rPr lang="en-US" sz="1200" dirty="0">
+                <a:solidFill>
+                  <a:srgbClr val="CD2264"/>
+                </a:solidFill>
+                <a:latin typeface="Arial" panose="020B0604020202020204" pitchFamily="34" charset="0"/>
+                <a:cs typeface="Arial" panose="020B0604020202020204" pitchFamily="34" charset="0"/>
+              </a:rPr>
+              <a:t>Customer account</a:t>
+            </a:r>
+          </a:p>
+        </p:txBody>
+      </p:sp>
+      <p:pic>
+        <p:nvPicPr>
+          <p:cNvPr id="7" name="Graphic 6">
+            <a:extLst>
+              <a:ext uri="{FF2B5EF4-FFF2-40B4-BE49-F238E27FC236}">
+                <a16:creationId xmlns:a16="http://schemas.microsoft.com/office/drawing/2014/main" id="{B90D4D92-BBD3-45B8-B696-981408FDE442}"/>
+              </a:ext>
+            </a:extLst>
+          </p:cNvPr>
+          <p:cNvPicPr>
+            <a:picLocks noChangeAspect="1"/>
+          </p:cNvPicPr>
+          <p:nvPr/>
+        </p:nvPicPr>
+        <p:blipFill>
+          <a:blip r:embed="rId4">
+            <a:extLst>
+              <a:ext uri="{96DAC541-7B7A-43D3-8B79-37D633B846F1}">
+                <asvg:svgBlip xmlns:asvg="http://schemas.microsoft.com/office/drawing/2016/SVG/main" r:embed="rId5"/>
+              </a:ext>
+            </a:extLst>
+          </a:blip>
+          <a:stretch>
+            <a:fillRect/>
+          </a:stretch>
+        </p:blipFill>
+        <p:spPr>
+          <a:xfrm>
+            <a:off x="4042023" y="1142320"/>
+            <a:ext cx="381000" cy="381000"/>
+          </a:xfrm>
+          <a:prstGeom prst="rect">
+            <a:avLst/>
+          </a:prstGeom>
+        </p:spPr>
+      </p:pic>
+      <p:sp>
+        <p:nvSpPr>
+          <p:cNvPr id="8" name="Rectangle 7">
+            <a:extLst>
+              <a:ext uri="{FF2B5EF4-FFF2-40B4-BE49-F238E27FC236}">
+                <a16:creationId xmlns:a16="http://schemas.microsoft.com/office/drawing/2014/main" id="{27855DDD-3E3B-4470-9A5A-EA557F9859A0}"/>
+              </a:ext>
+            </a:extLst>
+          </p:cNvPr>
+          <p:cNvSpPr/>
+          <p:nvPr/>
+        </p:nvSpPr>
+        <p:spPr>
+          <a:xfrm>
+            <a:off x="5894151" y="1485205"/>
+            <a:ext cx="1926618" cy="2834640"/>
+          </a:xfrm>
+          <a:prstGeom prst="rect">
+            <a:avLst/>
+          </a:prstGeom>
+          <a:noFill/>
+          <a:ln w="12700">
+            <a:solidFill>
+              <a:srgbClr val="CD2264"/>
+            </a:solidFill>
+          </a:ln>
+        </p:spPr>
+        <p:style>
+          <a:lnRef idx="2">
+            <a:schemeClr val="accent1">
+              <a:shade val="50000"/>
+            </a:schemeClr>
+          </a:lnRef>
+          <a:fillRef idx="1">
+            <a:schemeClr val="accent1"/>
+          </a:fillRef>
+          <a:effectRef idx="0">
+            <a:schemeClr val="accent1"/>
+          </a:effectRef>
+          <a:fontRef idx="minor">
+            <a:schemeClr val="lt1"/>
+          </a:fontRef>
+        </p:style>
+        <p:txBody>
+          <a:bodyPr lIns="502920" tIns="91440"/>
+          <a:lstStyle/>
+          <a:p>
+            <a:pPr eaLnBrk="1" fontAlgn="auto" hangingPunct="1">
+              <a:spcBef>
+                <a:spcPts val="0"/>
+              </a:spcBef>
+              <a:spcAft>
+                <a:spcPts val="0"/>
+              </a:spcAft>
+              <a:defRPr/>
+            </a:pPr>
+            <a:r>
+              <a:rPr lang="en-US" sz="1200" dirty="0">
+                <a:solidFill>
+                  <a:srgbClr val="CD2264"/>
+                </a:solidFill>
+                <a:latin typeface="Arial" panose="020B0604020202020204" pitchFamily="34" charset="0"/>
+                <a:cs typeface="Arial" panose="020B0604020202020204" pitchFamily="34" charset="0"/>
+              </a:rPr>
+              <a:t>Amazon EventBridge</a:t>
+            </a:r>
+          </a:p>
+        </p:txBody>
+      </p:sp>
+      <p:pic>
+        <p:nvPicPr>
+          <p:cNvPr id="9" name="Graphic 8">
+            <a:extLst>
+              <a:ext uri="{FF2B5EF4-FFF2-40B4-BE49-F238E27FC236}">
+                <a16:creationId xmlns:a16="http://schemas.microsoft.com/office/drawing/2014/main" id="{B1F5CE82-EED7-408B-AB21-670C205BBEAB}"/>
+              </a:ext>
+            </a:extLst>
+          </p:cNvPr>
+          <p:cNvPicPr>
+            <a:picLocks noChangeAspect="1"/>
+          </p:cNvPicPr>
+          <p:nvPr/>
+        </p:nvPicPr>
+        <p:blipFill>
+          <a:blip r:embed="rId6">
+            <a:extLst>
+              <a:ext uri="{96DAC541-7B7A-43D3-8B79-37D633B846F1}">
+                <asvg:svgBlip xmlns:asvg="http://schemas.microsoft.com/office/drawing/2016/SVG/main" r:embed="rId7"/>
+              </a:ext>
+            </a:extLst>
+          </a:blip>
+          <a:stretch>
+            <a:fillRect/>
+          </a:stretch>
+        </p:blipFill>
+        <p:spPr>
+          <a:xfrm>
+            <a:off x="5894151" y="1481328"/>
+            <a:ext cx="381000" cy="381000"/>
+          </a:xfrm>
+          <a:prstGeom prst="rect">
+            <a:avLst/>
+          </a:prstGeom>
+        </p:spPr>
+      </p:pic>
+      <p:sp>
+        <p:nvSpPr>
+          <p:cNvPr id="12" name="TextBox 22">
+            <a:extLst>
+              <a:ext uri="{FF2B5EF4-FFF2-40B4-BE49-F238E27FC236}">
+                <a16:creationId xmlns:a16="http://schemas.microsoft.com/office/drawing/2014/main" id="{C082DDCB-F485-484F-B4F3-D67699C51FA7}"/>
+              </a:ext>
+            </a:extLst>
+          </p:cNvPr>
+          <p:cNvSpPr txBox="1">
+            <a:spLocks noChangeArrowheads="1"/>
+          </p:cNvSpPr>
+          <p:nvPr/>
+        </p:nvSpPr>
+        <p:spPr bwMode="auto">
+          <a:xfrm>
+            <a:off x="6888535" y="2512009"/>
+            <a:ext cx="910254" cy="430887"/>
+          </a:xfrm>
+          <a:prstGeom prst="rect">
+            <a:avLst/>
+          </a:prstGeom>
+          <a:noFill/>
+          <a:ln>
+            <a:noFill/>
+          </a:ln>
+          <a:extLst>
+            <a:ext uri="{909E8E84-426E-40DD-AFC4-6F175D3DCCD1}">
+              <a14:hiddenFill xmlns:a14="http://schemas.microsoft.com/office/drawing/2010/main">
+                <a:solidFill>
+                  <a:srgbClr val="FFFFFF"/>
+                </a:solidFill>
+              </a14:hiddenFill>
+            </a:ext>
+            <a:ext uri="{91240B29-F687-4F45-9708-019B960494DF}">
+              <a14:hiddenLine xmlns:a14="http://schemas.microsoft.com/office/drawing/2010/main" w="9525">
+                <a:solidFill>
+                  <a:srgbClr val="000000"/>
+                </a:solidFill>
+                <a:miter lim="800000"/>
+                <a:headEnd/>
+                <a:tailEnd/>
+              </a14:hiddenLine>
+            </a:ext>
+          </a:extLst>
+        </p:spPr>
+        <p:txBody>
+          <a:bodyPr wrap="square">
+            <a:spAutoFit/>
+          </a:bodyPr>
+          <a:lstStyle>
+            <a:lvl1pPr>
+              <a:defRPr>
+                <a:solidFill>
+                  <a:schemeClr val="tx1"/>
+                </a:solidFill>
+                <a:latin typeface="Calibri" panose="020F0502020204030204" pitchFamily="34" charset="0"/>
+              </a:defRPr>
+            </a:lvl1pPr>
+            <a:lvl2pPr marL="742950" indent="-285750">
+              <a:defRPr>
+                <a:solidFill>
+                  <a:schemeClr val="tx1"/>
+                </a:solidFill>
+                <a:latin typeface="Calibri" panose="020F0502020204030204" pitchFamily="34" charset="0"/>
+              </a:defRPr>
+            </a:lvl2pPr>
+            <a:lvl3pPr marL="1143000" indent="-228600">
+              <a:defRPr>
+                <a:solidFill>
+                  <a:schemeClr val="tx1"/>
+                </a:solidFill>
+                <a:latin typeface="Calibri" panose="020F0502020204030204" pitchFamily="34" charset="0"/>
+              </a:defRPr>
+            </a:lvl3pPr>
+            <a:lvl4pPr marL="1600200" indent="-228600">
+              <a:defRPr>
+                <a:solidFill>
+                  <a:schemeClr val="tx1"/>
+                </a:solidFill>
+                <a:latin typeface="Calibri" panose="020F0502020204030204" pitchFamily="34" charset="0"/>
+              </a:defRPr>
+            </a:lvl4pPr>
+            <a:lvl5pPr marL="2057400" indent="-228600">
+              <a:defRPr>
+                <a:solidFill>
+                  <a:schemeClr val="tx1"/>
+                </a:solidFill>
+                <a:latin typeface="Calibri" panose="020F0502020204030204" pitchFamily="34" charset="0"/>
+              </a:defRPr>
+            </a:lvl5pPr>
+            <a:lvl6pPr marL="2514600" indent="-228600" eaLnBrk="0" fontAlgn="base" hangingPunct="0">
+              <a:spcBef>
+                <a:spcPct val="0"/>
+              </a:spcBef>
+              <a:spcAft>
+                <a:spcPct val="0"/>
+              </a:spcAft>
+              <a:defRPr>
+                <a:solidFill>
+                  <a:schemeClr val="tx1"/>
+                </a:solidFill>
+                <a:latin typeface="Calibri" panose="020F0502020204030204" pitchFamily="34" charset="0"/>
+              </a:defRPr>
+            </a:lvl6pPr>
+            <a:lvl7pPr marL="2971800" indent="-228600" eaLnBrk="0" fontAlgn="base" hangingPunct="0">
+              <a:spcBef>
+                <a:spcPct val="0"/>
+              </a:spcBef>
+              <a:spcAft>
+                <a:spcPct val="0"/>
+              </a:spcAft>
+              <a:defRPr>
+                <a:solidFill>
+                  <a:schemeClr val="tx1"/>
+                </a:solidFill>
+                <a:latin typeface="Calibri" panose="020F0502020204030204" pitchFamily="34" charset="0"/>
+              </a:defRPr>
+            </a:lvl7pPr>
+            <a:lvl8pPr marL="3429000" indent="-228600" eaLnBrk="0" fontAlgn="base" hangingPunct="0">
+              <a:spcBef>
+                <a:spcPct val="0"/>
+              </a:spcBef>
+              <a:spcAft>
+                <a:spcPct val="0"/>
+              </a:spcAft>
+              <a:defRPr>
+                <a:solidFill>
+                  <a:schemeClr val="tx1"/>
+                </a:solidFill>
+                <a:latin typeface="Calibri" panose="020F0502020204030204" pitchFamily="34" charset="0"/>
+              </a:defRPr>
+            </a:lvl8pPr>
+            <a:lvl9pPr marL="3886200" indent="-228600" eaLnBrk="0" fontAlgn="base" hangingPunct="0">
+              <a:spcBef>
+                <a:spcPct val="0"/>
+              </a:spcBef>
+              <a:spcAft>
+                <a:spcPct val="0"/>
+              </a:spcAft>
+              <a:defRPr>
+                <a:solidFill>
+                  <a:schemeClr val="tx1"/>
+                </a:solidFill>
+                <a:latin typeface="Calibri" panose="020F0502020204030204" pitchFamily="34" charset="0"/>
+              </a:defRPr>
+            </a:lvl9pPr>
+          </a:lstStyle>
+          <a:p>
+            <a:pPr algn="ctr" eaLnBrk="1" hangingPunct="1"/>
+            <a:r>
+              <a:rPr lang="en-US" altLang="en-US" sz="1100" dirty="0">
+                <a:latin typeface="Arial" panose="020B0604020202020204" pitchFamily="34" charset="0"/>
+                <a:ea typeface="Amazon Ember" panose="020B0603020204020204" pitchFamily="34" charset="0"/>
+                <a:cs typeface="Arial" panose="020B0604020202020204" pitchFamily="34" charset="0"/>
+              </a:rPr>
+              <a:t>Custom</a:t>
+            </a:r>
+          </a:p>
+          <a:p>
+            <a:pPr algn="ctr" eaLnBrk="1" hangingPunct="1"/>
+            <a:r>
+              <a:rPr lang="en-US" altLang="en-US" sz="1100" dirty="0">
+                <a:latin typeface="Arial" panose="020B0604020202020204" pitchFamily="34" charset="0"/>
+                <a:ea typeface="Amazon Ember" panose="020B0603020204020204" pitchFamily="34" charset="0"/>
+                <a:cs typeface="Arial" panose="020B0604020202020204" pitchFamily="34" charset="0"/>
+              </a:rPr>
+              <a:t>event bus</a:t>
+            </a:r>
+          </a:p>
+        </p:txBody>
+      </p:sp>
+      <p:pic>
+        <p:nvPicPr>
+          <p:cNvPr id="13" name="Graphic 16">
+            <a:extLst>
+              <a:ext uri="{FF2B5EF4-FFF2-40B4-BE49-F238E27FC236}">
+                <a16:creationId xmlns:a16="http://schemas.microsoft.com/office/drawing/2014/main" id="{86B3B8DF-0F89-4D51-A8A4-93DB4A0BAFE8}"/>
+              </a:ext>
+            </a:extLst>
+          </p:cNvPr>
+          <p:cNvPicPr>
+            <a:picLocks noChangeAspect="1" noChangeArrowheads="1"/>
+          </p:cNvPicPr>
+          <p:nvPr/>
+        </p:nvPicPr>
+        <p:blipFill>
+          <a:blip r:embed="rId8">
+            <a:extLst>
+              <a:ext uri="{28A0092B-C50C-407E-A947-70E740481C1C}">
+                <a14:useLocalDpi xmlns:a14="http://schemas.microsoft.com/office/drawing/2010/main" val="0"/>
+              </a:ext>
+            </a:extLst>
+          </a:blip>
+          <a:srcRect/>
+          <a:stretch>
+            <a:fillRect/>
+          </a:stretch>
+        </p:blipFill>
+        <p:spPr bwMode="auto">
+          <a:xfrm>
+            <a:off x="7115062" y="2054360"/>
+            <a:ext cx="457200" cy="457200"/>
+          </a:xfrm>
+          <a:prstGeom prst="rect">
+            <a:avLst/>
+          </a:prstGeom>
+          <a:noFill/>
+          <a:ln>
+            <a:noFill/>
+          </a:ln>
+          <a:extLst>
+            <a:ext uri="{909E8E84-426E-40DD-AFC4-6F175D3DCCD1}">
+              <a14:hiddenFill xmlns:a14="http://schemas.microsoft.com/office/drawing/2010/main">
+                <a:solidFill>
+                  <a:srgbClr val="FFFFFF"/>
+                </a:solidFill>
+              </a14:hiddenFill>
+            </a:ext>
+            <a:ext uri="{91240B29-F687-4F45-9708-019B960494DF}">
+              <a14:hiddenLine xmlns:a14="http://schemas.microsoft.com/office/drawing/2010/main" w="9525">
+                <a:solidFill>
+                  <a:srgbClr val="000000"/>
+                </a:solidFill>
+                <a:miter lim="800000"/>
+                <a:headEnd/>
+                <a:tailEnd/>
+              </a14:hiddenLine>
+            </a:ext>
+          </a:extLst>
+        </p:spPr>
+      </p:pic>
+      <p:pic>
+        <p:nvPicPr>
+          <p:cNvPr id="15" name="Graphic 24">
+            <a:extLst>
+              <a:ext uri="{FF2B5EF4-FFF2-40B4-BE49-F238E27FC236}">
+                <a16:creationId xmlns:a16="http://schemas.microsoft.com/office/drawing/2014/main" id="{EEA460B9-E58D-4B37-8BEB-B7C6330456C5}"/>
+              </a:ext>
+            </a:extLst>
+          </p:cNvPr>
+          <p:cNvPicPr>
+            <a:picLocks noChangeAspect="1" noChangeArrowheads="1"/>
+          </p:cNvPicPr>
+          <p:nvPr/>
+        </p:nvPicPr>
+        <p:blipFill>
+          <a:blip r:embed="rId9">
+            <a:extLst>
+              <a:ext uri="{28A0092B-C50C-407E-A947-70E740481C1C}">
+                <a14:useLocalDpi xmlns:a14="http://schemas.microsoft.com/office/drawing/2010/main" val="0"/>
+              </a:ext>
+            </a:extLst>
+          </a:blip>
+          <a:srcRect/>
+          <a:stretch>
+            <a:fillRect/>
+          </a:stretch>
+        </p:blipFill>
+        <p:spPr bwMode="auto">
+          <a:xfrm>
+            <a:off x="6182568" y="2054360"/>
+            <a:ext cx="457200" cy="457200"/>
+          </a:xfrm>
+          <a:prstGeom prst="rect">
+            <a:avLst/>
+          </a:prstGeom>
+          <a:noFill/>
+          <a:ln>
+            <a:noFill/>
+          </a:ln>
+          <a:extLst>
+            <a:ext uri="{909E8E84-426E-40DD-AFC4-6F175D3DCCD1}">
+              <a14:hiddenFill xmlns:a14="http://schemas.microsoft.com/office/drawing/2010/main">
+                <a:solidFill>
+                  <a:srgbClr val="FFFFFF"/>
+                </a:solidFill>
+              </a14:hiddenFill>
+            </a:ext>
+            <a:ext uri="{91240B29-F687-4F45-9708-019B960494DF}">
+              <a14:hiddenLine xmlns:a14="http://schemas.microsoft.com/office/drawing/2010/main" w="9525">
+                <a:solidFill>
+                  <a:srgbClr val="000000"/>
+                </a:solidFill>
+                <a:miter lim="800000"/>
+                <a:headEnd/>
+                <a:tailEnd/>
+              </a14:hiddenLine>
+            </a:ext>
+          </a:extLst>
+        </p:spPr>
+      </p:pic>
+      <p:sp>
+        <p:nvSpPr>
+          <p:cNvPr id="16" name="TextBox 26">
+            <a:extLst>
+              <a:ext uri="{FF2B5EF4-FFF2-40B4-BE49-F238E27FC236}">
+                <a16:creationId xmlns:a16="http://schemas.microsoft.com/office/drawing/2014/main" id="{44BC29B2-12F7-4B33-9D77-9C41D75D7A24}"/>
+              </a:ext>
+            </a:extLst>
+          </p:cNvPr>
+          <p:cNvSpPr txBox="1">
+            <a:spLocks noChangeArrowheads="1"/>
+          </p:cNvSpPr>
+          <p:nvPr/>
+        </p:nvSpPr>
+        <p:spPr bwMode="auto">
+          <a:xfrm>
+            <a:off x="6005662" y="2512009"/>
+            <a:ext cx="811012" cy="261610"/>
+          </a:xfrm>
+          <a:prstGeom prst="rect">
+            <a:avLst/>
+          </a:prstGeom>
+          <a:noFill/>
+          <a:ln>
+            <a:noFill/>
+          </a:ln>
+          <a:extLst>
+            <a:ext uri="{909E8E84-426E-40DD-AFC4-6F175D3DCCD1}">
+              <a14:hiddenFill xmlns:a14="http://schemas.microsoft.com/office/drawing/2010/main">
+                <a:solidFill>
+                  <a:srgbClr val="FFFFFF"/>
+                </a:solidFill>
+              </a14:hiddenFill>
+            </a:ext>
+            <a:ext uri="{91240B29-F687-4F45-9708-019B960494DF}">
+              <a14:hiddenLine xmlns:a14="http://schemas.microsoft.com/office/drawing/2010/main" w="9525">
+                <a:solidFill>
+                  <a:srgbClr val="000000"/>
+                </a:solidFill>
+                <a:miter lim="800000"/>
+                <a:headEnd/>
+                <a:tailEnd/>
+              </a14:hiddenLine>
+            </a:ext>
+          </a:extLst>
+        </p:spPr>
+        <p:txBody>
+          <a:bodyPr wrap="square">
+            <a:spAutoFit/>
+          </a:bodyPr>
+          <a:lstStyle>
+            <a:lvl1pPr>
+              <a:defRPr>
+                <a:solidFill>
+                  <a:schemeClr val="tx1"/>
+                </a:solidFill>
+                <a:latin typeface="Calibri" panose="020F0502020204030204" pitchFamily="34" charset="0"/>
+              </a:defRPr>
+            </a:lvl1pPr>
+            <a:lvl2pPr marL="742950" indent="-285750">
+              <a:defRPr>
+                <a:solidFill>
+                  <a:schemeClr val="tx1"/>
+                </a:solidFill>
+                <a:latin typeface="Calibri" panose="020F0502020204030204" pitchFamily="34" charset="0"/>
+              </a:defRPr>
+            </a:lvl2pPr>
+            <a:lvl3pPr marL="1143000" indent="-228600">
+              <a:defRPr>
+                <a:solidFill>
+                  <a:schemeClr val="tx1"/>
+                </a:solidFill>
+                <a:latin typeface="Calibri" panose="020F0502020204030204" pitchFamily="34" charset="0"/>
+              </a:defRPr>
+            </a:lvl3pPr>
+            <a:lvl4pPr marL="1600200" indent="-228600">
+              <a:defRPr>
+                <a:solidFill>
+                  <a:schemeClr val="tx1"/>
+                </a:solidFill>
+                <a:latin typeface="Calibri" panose="020F0502020204030204" pitchFamily="34" charset="0"/>
+              </a:defRPr>
+            </a:lvl4pPr>
+            <a:lvl5pPr marL="2057400" indent="-228600">
+              <a:defRPr>
+                <a:solidFill>
+                  <a:schemeClr val="tx1"/>
+                </a:solidFill>
+                <a:latin typeface="Calibri" panose="020F0502020204030204" pitchFamily="34" charset="0"/>
+              </a:defRPr>
+            </a:lvl5pPr>
+            <a:lvl6pPr marL="2514600" indent="-228600" eaLnBrk="0" fontAlgn="base" hangingPunct="0">
+              <a:spcBef>
+                <a:spcPct val="0"/>
+              </a:spcBef>
+              <a:spcAft>
+                <a:spcPct val="0"/>
+              </a:spcAft>
+              <a:defRPr>
+                <a:solidFill>
+                  <a:schemeClr val="tx1"/>
+                </a:solidFill>
+                <a:latin typeface="Calibri" panose="020F0502020204030204" pitchFamily="34" charset="0"/>
+              </a:defRPr>
+            </a:lvl6pPr>
+            <a:lvl7pPr marL="2971800" indent="-228600" eaLnBrk="0" fontAlgn="base" hangingPunct="0">
+              <a:spcBef>
+                <a:spcPct val="0"/>
+              </a:spcBef>
+              <a:spcAft>
+                <a:spcPct val="0"/>
+              </a:spcAft>
+              <a:defRPr>
+                <a:solidFill>
+                  <a:schemeClr val="tx1"/>
+                </a:solidFill>
+                <a:latin typeface="Calibri" panose="020F0502020204030204" pitchFamily="34" charset="0"/>
+              </a:defRPr>
+            </a:lvl7pPr>
+            <a:lvl8pPr marL="3429000" indent="-228600" eaLnBrk="0" fontAlgn="base" hangingPunct="0">
+              <a:spcBef>
+                <a:spcPct val="0"/>
+              </a:spcBef>
+              <a:spcAft>
+                <a:spcPct val="0"/>
+              </a:spcAft>
+              <a:defRPr>
+                <a:solidFill>
+                  <a:schemeClr val="tx1"/>
+                </a:solidFill>
+                <a:latin typeface="Calibri" panose="020F0502020204030204" pitchFamily="34" charset="0"/>
+              </a:defRPr>
+            </a:lvl8pPr>
+            <a:lvl9pPr marL="3886200" indent="-228600" eaLnBrk="0" fontAlgn="base" hangingPunct="0">
+              <a:spcBef>
+                <a:spcPct val="0"/>
+              </a:spcBef>
+              <a:spcAft>
+                <a:spcPct val="0"/>
+              </a:spcAft>
+              <a:defRPr>
+                <a:solidFill>
+                  <a:schemeClr val="tx1"/>
+                </a:solidFill>
+                <a:latin typeface="Calibri" panose="020F0502020204030204" pitchFamily="34" charset="0"/>
+              </a:defRPr>
+            </a:lvl9pPr>
+          </a:lstStyle>
+          <a:p>
+            <a:pPr algn="ctr" eaLnBrk="1" hangingPunct="1"/>
+            <a:r>
+              <a:rPr lang="en-US" altLang="en-US" sz="1100" dirty="0">
+                <a:latin typeface="Arial" panose="020B0604020202020204" pitchFamily="34" charset="0"/>
+                <a:ea typeface="Amazon Ember" panose="020B0603020204020204" pitchFamily="34" charset="0"/>
+                <a:cs typeface="Arial" panose="020B0604020202020204" pitchFamily="34" charset="0"/>
+              </a:rPr>
+              <a:t>Push rule</a:t>
+            </a:r>
+          </a:p>
+        </p:txBody>
+      </p:sp>
+      <p:sp>
+        <p:nvSpPr>
+          <p:cNvPr id="17" name="TextBox 23">
+            <a:extLst>
+              <a:ext uri="{FF2B5EF4-FFF2-40B4-BE49-F238E27FC236}">
+                <a16:creationId xmlns:a16="http://schemas.microsoft.com/office/drawing/2014/main" id="{FF21D3EE-9078-443A-8686-320F26FBDE91}"/>
+              </a:ext>
+            </a:extLst>
+          </p:cNvPr>
+          <p:cNvSpPr txBox="1">
+            <a:spLocks noChangeArrowheads="1"/>
+          </p:cNvSpPr>
+          <p:nvPr/>
+        </p:nvSpPr>
+        <p:spPr bwMode="auto">
+          <a:xfrm>
+            <a:off x="5891994" y="3787467"/>
+            <a:ext cx="1045945" cy="430887"/>
+          </a:xfrm>
+          <a:prstGeom prst="rect">
+            <a:avLst/>
+          </a:prstGeom>
+          <a:noFill/>
+          <a:ln>
+            <a:noFill/>
+          </a:ln>
+          <a:extLst>
+            <a:ext uri="{909E8E84-426E-40DD-AFC4-6F175D3DCCD1}">
+              <a14:hiddenFill xmlns:a14="http://schemas.microsoft.com/office/drawing/2010/main">
+                <a:solidFill>
+                  <a:srgbClr val="FFFFFF"/>
+                </a:solidFill>
+              </a14:hiddenFill>
+            </a:ext>
+            <a:ext uri="{91240B29-F687-4F45-9708-019B960494DF}">
+              <a14:hiddenLine xmlns:a14="http://schemas.microsoft.com/office/drawing/2010/main" w="9525">
+                <a:solidFill>
+                  <a:srgbClr val="000000"/>
+                </a:solidFill>
+                <a:miter lim="800000"/>
+                <a:headEnd/>
+                <a:tailEnd/>
+              </a14:hiddenLine>
+            </a:ext>
+          </a:extLst>
+        </p:spPr>
+        <p:txBody>
+          <a:bodyPr wrap="square">
+            <a:spAutoFit/>
+          </a:bodyPr>
+          <a:lstStyle>
+            <a:lvl1pPr>
+              <a:defRPr>
+                <a:solidFill>
+                  <a:schemeClr val="tx1"/>
+                </a:solidFill>
+                <a:latin typeface="Calibri" panose="020F0502020204030204" pitchFamily="34" charset="0"/>
+              </a:defRPr>
+            </a:lvl1pPr>
+            <a:lvl2pPr marL="742950" indent="-285750">
+              <a:defRPr>
+                <a:solidFill>
+                  <a:schemeClr val="tx1"/>
+                </a:solidFill>
+                <a:latin typeface="Calibri" panose="020F0502020204030204" pitchFamily="34" charset="0"/>
+              </a:defRPr>
+            </a:lvl2pPr>
+            <a:lvl3pPr marL="1143000" indent="-228600">
+              <a:defRPr>
+                <a:solidFill>
+                  <a:schemeClr val="tx1"/>
+                </a:solidFill>
+                <a:latin typeface="Calibri" panose="020F0502020204030204" pitchFamily="34" charset="0"/>
+              </a:defRPr>
+            </a:lvl3pPr>
+            <a:lvl4pPr marL="1600200" indent="-228600">
+              <a:defRPr>
+                <a:solidFill>
+                  <a:schemeClr val="tx1"/>
+                </a:solidFill>
+                <a:latin typeface="Calibri" panose="020F0502020204030204" pitchFamily="34" charset="0"/>
+              </a:defRPr>
+            </a:lvl4pPr>
+            <a:lvl5pPr marL="2057400" indent="-228600">
+              <a:defRPr>
+                <a:solidFill>
+                  <a:schemeClr val="tx1"/>
+                </a:solidFill>
+                <a:latin typeface="Calibri" panose="020F0502020204030204" pitchFamily="34" charset="0"/>
+              </a:defRPr>
+            </a:lvl5pPr>
+            <a:lvl6pPr marL="2514600" indent="-228600" eaLnBrk="0" fontAlgn="base" hangingPunct="0">
+              <a:spcBef>
+                <a:spcPct val="0"/>
+              </a:spcBef>
+              <a:spcAft>
+                <a:spcPct val="0"/>
+              </a:spcAft>
+              <a:defRPr>
+                <a:solidFill>
+                  <a:schemeClr val="tx1"/>
+                </a:solidFill>
+                <a:latin typeface="Calibri" panose="020F0502020204030204" pitchFamily="34" charset="0"/>
+              </a:defRPr>
+            </a:lvl6pPr>
+            <a:lvl7pPr marL="2971800" indent="-228600" eaLnBrk="0" fontAlgn="base" hangingPunct="0">
+              <a:spcBef>
+                <a:spcPct val="0"/>
+              </a:spcBef>
+              <a:spcAft>
+                <a:spcPct val="0"/>
+              </a:spcAft>
+              <a:defRPr>
+                <a:solidFill>
+                  <a:schemeClr val="tx1"/>
+                </a:solidFill>
+                <a:latin typeface="Calibri" panose="020F0502020204030204" pitchFamily="34" charset="0"/>
+              </a:defRPr>
+            </a:lvl7pPr>
+            <a:lvl8pPr marL="3429000" indent="-228600" eaLnBrk="0" fontAlgn="base" hangingPunct="0">
+              <a:spcBef>
+                <a:spcPct val="0"/>
+              </a:spcBef>
+              <a:spcAft>
+                <a:spcPct val="0"/>
+              </a:spcAft>
+              <a:defRPr>
+                <a:solidFill>
+                  <a:schemeClr val="tx1"/>
+                </a:solidFill>
+                <a:latin typeface="Calibri" panose="020F0502020204030204" pitchFamily="34" charset="0"/>
+              </a:defRPr>
+            </a:lvl8pPr>
+            <a:lvl9pPr marL="3886200" indent="-228600" eaLnBrk="0" fontAlgn="base" hangingPunct="0">
+              <a:spcBef>
+                <a:spcPct val="0"/>
+              </a:spcBef>
+              <a:spcAft>
+                <a:spcPct val="0"/>
+              </a:spcAft>
+              <a:defRPr>
+                <a:solidFill>
+                  <a:schemeClr val="tx1"/>
+                </a:solidFill>
+                <a:latin typeface="Calibri" panose="020F0502020204030204" pitchFamily="34" charset="0"/>
+              </a:defRPr>
+            </a:lvl9pPr>
+          </a:lstStyle>
+          <a:p>
+            <a:pPr algn="ctr" eaLnBrk="1" hangingPunct="1"/>
+            <a:r>
+              <a:rPr lang="en-US" altLang="en-US" sz="1100" dirty="0">
+                <a:latin typeface="Arial" panose="020B0604020202020204" pitchFamily="34" charset="0"/>
+                <a:ea typeface="Amazon Ember" panose="020B0603020204020204" pitchFamily="34" charset="0"/>
+                <a:cs typeface="Arial" panose="020B0604020202020204" pitchFamily="34" charset="0"/>
+              </a:rPr>
+              <a:t>Partner SaaS</a:t>
+            </a:r>
+          </a:p>
+          <a:p>
+            <a:pPr algn="ctr" eaLnBrk="1" hangingPunct="1"/>
+            <a:r>
+              <a:rPr lang="en-US" altLang="en-US" sz="1100" dirty="0">
+                <a:latin typeface="Arial" panose="020B0604020202020204" pitchFamily="34" charset="0"/>
+                <a:ea typeface="Amazon Ember" panose="020B0603020204020204" pitchFamily="34" charset="0"/>
+                <a:cs typeface="Arial" panose="020B0604020202020204" pitchFamily="34" charset="0"/>
+              </a:rPr>
+              <a:t>event bus</a:t>
+            </a:r>
+          </a:p>
+        </p:txBody>
+      </p:sp>
+      <p:pic>
+        <p:nvPicPr>
+          <p:cNvPr id="18" name="Graphic 6">
+            <a:extLst>
+              <a:ext uri="{FF2B5EF4-FFF2-40B4-BE49-F238E27FC236}">
+                <a16:creationId xmlns:a16="http://schemas.microsoft.com/office/drawing/2014/main" id="{4F6AC010-3AC3-4481-817D-434D45F815B3}"/>
+              </a:ext>
+            </a:extLst>
+          </p:cNvPr>
+          <p:cNvPicPr>
+            <a:picLocks noChangeAspect="1" noChangeArrowheads="1"/>
+          </p:cNvPicPr>
+          <p:nvPr/>
+        </p:nvPicPr>
+        <p:blipFill>
+          <a:blip r:embed="rId10">
+            <a:extLst>
+              <a:ext uri="{28A0092B-C50C-407E-A947-70E740481C1C}">
+                <a14:useLocalDpi xmlns:a14="http://schemas.microsoft.com/office/drawing/2010/main" val="0"/>
+              </a:ext>
+            </a:extLst>
+          </a:blip>
+          <a:srcRect/>
+          <a:stretch>
+            <a:fillRect/>
+          </a:stretch>
+        </p:blipFill>
+        <p:spPr bwMode="auto">
+          <a:xfrm>
+            <a:off x="6182568" y="3214121"/>
+            <a:ext cx="457200" cy="457200"/>
+          </a:xfrm>
+          <a:prstGeom prst="rect">
+            <a:avLst/>
+          </a:prstGeom>
+          <a:noFill/>
+          <a:ln>
+            <a:noFill/>
+          </a:ln>
+          <a:extLst>
+            <a:ext uri="{909E8E84-426E-40DD-AFC4-6F175D3DCCD1}">
+              <a14:hiddenFill xmlns:a14="http://schemas.microsoft.com/office/drawing/2010/main">
+                <a:solidFill>
+                  <a:srgbClr val="FFFFFF"/>
+                </a:solidFill>
+              </a14:hiddenFill>
+            </a:ext>
+            <a:ext uri="{91240B29-F687-4F45-9708-019B960494DF}">
+              <a14:hiddenLine xmlns:a14="http://schemas.microsoft.com/office/drawing/2010/main" w="9525">
+                <a:solidFill>
+                  <a:srgbClr val="000000"/>
+                </a:solidFill>
+                <a:miter lim="800000"/>
+                <a:headEnd/>
+                <a:tailEnd/>
+              </a14:hiddenLine>
+            </a:ext>
+          </a:extLst>
+        </p:spPr>
+      </p:pic>
+      <p:cxnSp>
+        <p:nvCxnSpPr>
+          <p:cNvPr id="21" name="Straight Arrow Connector 20">
+            <a:extLst>
+              <a:ext uri="{FF2B5EF4-FFF2-40B4-BE49-F238E27FC236}">
+                <a16:creationId xmlns:a16="http://schemas.microsoft.com/office/drawing/2014/main" id="{D3147D18-0088-4C39-B761-7D8CD06ABC0C}"/>
+              </a:ext>
+            </a:extLst>
+          </p:cNvPr>
+          <p:cNvCxnSpPr>
+            <a:cxnSpLocks/>
+            <a:stCxn id="19" idx="3"/>
+            <a:endCxn id="18" idx="1"/>
+          </p:cNvCxnSpPr>
+          <p:nvPr/>
+        </p:nvCxnSpPr>
+        <p:spPr>
+          <a:xfrm>
+            <a:off x="2636598" y="3442721"/>
+            <a:ext cx="3545970" cy="0"/>
+          </a:xfrm>
+          <a:prstGeom prst="straightConnector1">
+            <a:avLst/>
+          </a:prstGeom>
+          <a:ln w="12700">
+            <a:solidFill>
+              <a:schemeClr val="tx2"/>
+            </a:solidFill>
+            <a:headEnd type="none" w="med" len="sm"/>
+            <a:tailEnd type="arrow" w="med" len="sm"/>
+          </a:ln>
+        </p:spPr>
+        <p:style>
+          <a:lnRef idx="1">
+            <a:schemeClr val="accent1"/>
+          </a:lnRef>
+          <a:fillRef idx="0">
+            <a:schemeClr val="accent1"/>
+          </a:fillRef>
+          <a:effectRef idx="0">
+            <a:schemeClr val="accent1"/>
+          </a:effectRef>
+          <a:fontRef idx="minor">
+            <a:schemeClr val="tx1"/>
+          </a:fontRef>
+        </p:style>
+      </p:cxnSp>
+      <p:pic>
+        <p:nvPicPr>
+          <p:cNvPr id="19" name="Graphic 8">
+            <a:extLst>
+              <a:ext uri="{FF2B5EF4-FFF2-40B4-BE49-F238E27FC236}">
+                <a16:creationId xmlns:a16="http://schemas.microsoft.com/office/drawing/2014/main" id="{6D6F276F-23A0-4187-B262-4F026DF2E24B}"/>
+              </a:ext>
+            </a:extLst>
+          </p:cNvPr>
+          <p:cNvPicPr>
+            <a:picLocks noChangeAspect="1" noChangeArrowheads="1"/>
+          </p:cNvPicPr>
+          <p:nvPr/>
+        </p:nvPicPr>
+        <p:blipFill>
+          <a:blip r:embed="rId11">
+            <a:extLst>
+              <a:ext uri="{96DAC541-7B7A-43D3-8B79-37D633B846F1}">
+                <asvg:svgBlip xmlns:asvg="http://schemas.microsoft.com/office/drawing/2016/SVG/main" r:embed="rId12"/>
+              </a:ext>
+            </a:extLst>
+          </a:blip>
+          <a:srcRect/>
+          <a:stretch/>
+        </p:blipFill>
+        <p:spPr bwMode="auto">
+          <a:xfrm>
+            <a:off x="2166698" y="3207771"/>
+            <a:ext cx="469900" cy="469900"/>
+          </a:xfrm>
+          <a:prstGeom prst="rect">
+            <a:avLst/>
+          </a:prstGeom>
+          <a:noFill/>
+          <a:ln>
+            <a:noFill/>
+          </a:ln>
+          <a:extLst>
+            <a:ext uri="{909E8E84-426E-40DD-AFC4-6F175D3DCCD1}">
+              <a14:hiddenFill xmlns:a14="http://schemas.microsoft.com/office/drawing/2010/main">
+                <a:solidFill>
+                  <a:srgbClr val="FFFFFF"/>
+                </a:solidFill>
+              </a14:hiddenFill>
+            </a:ext>
+            <a:ext uri="{91240B29-F687-4F45-9708-019B960494DF}">
+              <a14:hiddenLine xmlns:a14="http://schemas.microsoft.com/office/drawing/2010/main" w="9525">
+                <a:solidFill>
+                  <a:srgbClr val="000000"/>
+                </a:solidFill>
+                <a:miter lim="800000"/>
+                <a:headEnd/>
+                <a:tailEnd/>
+              </a14:hiddenLine>
+            </a:ext>
+          </a:extLst>
+        </p:spPr>
+      </p:pic>
+      <p:sp>
+        <p:nvSpPr>
+          <p:cNvPr id="20" name="TextBox 26">
+            <a:extLst>
+              <a:ext uri="{FF2B5EF4-FFF2-40B4-BE49-F238E27FC236}">
+                <a16:creationId xmlns:a16="http://schemas.microsoft.com/office/drawing/2014/main" id="{12095257-9217-4433-8838-203FE6535DEE}"/>
+              </a:ext>
+            </a:extLst>
+          </p:cNvPr>
+          <p:cNvSpPr txBox="1">
+            <a:spLocks noChangeArrowheads="1"/>
+          </p:cNvSpPr>
+          <p:nvPr/>
+        </p:nvSpPr>
+        <p:spPr bwMode="auto">
+          <a:xfrm>
+            <a:off x="1863967" y="3787467"/>
+            <a:ext cx="1073150" cy="261610"/>
+          </a:xfrm>
+          <a:prstGeom prst="rect">
+            <a:avLst/>
+          </a:prstGeom>
+          <a:noFill/>
+          <a:ln>
+            <a:noFill/>
+          </a:ln>
+          <a:extLst>
+            <a:ext uri="{909E8E84-426E-40DD-AFC4-6F175D3DCCD1}">
+              <a14:hiddenFill xmlns:a14="http://schemas.microsoft.com/office/drawing/2010/main">
+                <a:solidFill>
+                  <a:srgbClr val="FFFFFF"/>
+                </a:solidFill>
+              </a14:hiddenFill>
+            </a:ext>
+            <a:ext uri="{91240B29-F687-4F45-9708-019B960494DF}">
+              <a14:hiddenLine xmlns:a14="http://schemas.microsoft.com/office/drawing/2010/main" w="9525">
+                <a:solidFill>
+                  <a:srgbClr val="000000"/>
+                </a:solidFill>
+                <a:miter lim="800000"/>
+                <a:headEnd/>
+                <a:tailEnd/>
+              </a14:hiddenLine>
+            </a:ext>
+          </a:extLst>
+        </p:spPr>
+        <p:txBody>
+          <a:bodyPr>
+            <a:spAutoFit/>
+          </a:bodyPr>
+          <a:lstStyle>
+            <a:lvl1pPr>
+              <a:defRPr>
+                <a:solidFill>
+                  <a:schemeClr val="tx1"/>
+                </a:solidFill>
+                <a:latin typeface="Calibri" panose="020F0502020204030204" pitchFamily="34" charset="0"/>
+              </a:defRPr>
+            </a:lvl1pPr>
+            <a:lvl2pPr marL="742950" indent="-285750">
+              <a:defRPr>
+                <a:solidFill>
+                  <a:schemeClr val="tx1"/>
+                </a:solidFill>
+                <a:latin typeface="Calibri" panose="020F0502020204030204" pitchFamily="34" charset="0"/>
+              </a:defRPr>
+            </a:lvl2pPr>
+            <a:lvl3pPr marL="1143000" indent="-228600">
+              <a:defRPr>
+                <a:solidFill>
+                  <a:schemeClr val="tx1"/>
+                </a:solidFill>
+                <a:latin typeface="Calibri" panose="020F0502020204030204" pitchFamily="34" charset="0"/>
+              </a:defRPr>
+            </a:lvl3pPr>
+            <a:lvl4pPr marL="1600200" indent="-228600">
+              <a:defRPr>
+                <a:solidFill>
+                  <a:schemeClr val="tx1"/>
+                </a:solidFill>
+                <a:latin typeface="Calibri" panose="020F0502020204030204" pitchFamily="34" charset="0"/>
+              </a:defRPr>
+            </a:lvl4pPr>
+            <a:lvl5pPr marL="2057400" indent="-228600">
+              <a:defRPr>
+                <a:solidFill>
+                  <a:schemeClr val="tx1"/>
+                </a:solidFill>
+                <a:latin typeface="Calibri" panose="020F0502020204030204" pitchFamily="34" charset="0"/>
+              </a:defRPr>
+            </a:lvl5pPr>
+            <a:lvl6pPr marL="2514600" indent="-228600" eaLnBrk="0" fontAlgn="base" hangingPunct="0">
+              <a:spcBef>
+                <a:spcPct val="0"/>
+              </a:spcBef>
+              <a:spcAft>
+                <a:spcPct val="0"/>
+              </a:spcAft>
+              <a:defRPr>
+                <a:solidFill>
+                  <a:schemeClr val="tx1"/>
+                </a:solidFill>
+                <a:latin typeface="Calibri" panose="020F0502020204030204" pitchFamily="34" charset="0"/>
+              </a:defRPr>
+            </a:lvl6pPr>
+            <a:lvl7pPr marL="2971800" indent="-228600" eaLnBrk="0" fontAlgn="base" hangingPunct="0">
+              <a:spcBef>
+                <a:spcPct val="0"/>
+              </a:spcBef>
+              <a:spcAft>
+                <a:spcPct val="0"/>
+              </a:spcAft>
+              <a:defRPr>
+                <a:solidFill>
+                  <a:schemeClr val="tx1"/>
+                </a:solidFill>
+                <a:latin typeface="Calibri" panose="020F0502020204030204" pitchFamily="34" charset="0"/>
+              </a:defRPr>
+            </a:lvl7pPr>
+            <a:lvl8pPr marL="3429000" indent="-228600" eaLnBrk="0" fontAlgn="base" hangingPunct="0">
+              <a:spcBef>
+                <a:spcPct val="0"/>
+              </a:spcBef>
+              <a:spcAft>
+                <a:spcPct val="0"/>
+              </a:spcAft>
+              <a:defRPr>
+                <a:solidFill>
+                  <a:schemeClr val="tx1"/>
+                </a:solidFill>
+                <a:latin typeface="Calibri" panose="020F0502020204030204" pitchFamily="34" charset="0"/>
+              </a:defRPr>
+            </a:lvl8pPr>
+            <a:lvl9pPr marL="3886200" indent="-228600" eaLnBrk="0" fontAlgn="base" hangingPunct="0">
+              <a:spcBef>
+                <a:spcPct val="0"/>
+              </a:spcBef>
+              <a:spcAft>
+                <a:spcPct val="0"/>
+              </a:spcAft>
+              <a:defRPr>
+                <a:solidFill>
+                  <a:schemeClr val="tx1"/>
+                </a:solidFill>
+                <a:latin typeface="Calibri" panose="020F0502020204030204" pitchFamily="34" charset="0"/>
+              </a:defRPr>
+            </a:lvl9pPr>
+          </a:lstStyle>
+          <a:p>
+            <a:pPr algn="ctr" eaLnBrk="1" hangingPunct="1"/>
+            <a:r>
+              <a:rPr lang="en-US" altLang="en-US" sz="1100" dirty="0">
+                <a:solidFill>
+                  <a:srgbClr val="000000"/>
+                </a:solidFill>
+                <a:latin typeface="Arial" panose="020B0604020202020204" pitchFamily="34" charset="0"/>
+                <a:cs typeface="Arial" panose="020B0604020202020204" pitchFamily="34" charset="0"/>
+              </a:rPr>
+              <a:t>Realm trigger</a:t>
+            </a:r>
+          </a:p>
+        </p:txBody>
+      </p:sp>
+      <p:pic>
+        <p:nvPicPr>
+          <p:cNvPr id="30" name="Graphic 11">
+            <a:extLst>
+              <a:ext uri="{FF2B5EF4-FFF2-40B4-BE49-F238E27FC236}">
+                <a16:creationId xmlns:a16="http://schemas.microsoft.com/office/drawing/2014/main" id="{2CC159F6-8CCC-4637-8315-07BCEA523443}"/>
+              </a:ext>
+            </a:extLst>
+          </p:cNvPr>
+          <p:cNvPicPr>
+            <a:picLocks noChangeAspect="1" noChangeArrowheads="1"/>
+          </p:cNvPicPr>
+          <p:nvPr/>
+        </p:nvPicPr>
+        <p:blipFill>
+          <a:blip r:embed="rId13">
+            <a:extLst>
+              <a:ext uri="{28A0092B-C50C-407E-A947-70E740481C1C}">
+                <a14:useLocalDpi xmlns:a14="http://schemas.microsoft.com/office/drawing/2010/main" val="0"/>
+              </a:ext>
+            </a:extLst>
+          </a:blip>
+          <a:srcRect/>
+          <a:stretch>
+            <a:fillRect/>
+          </a:stretch>
+        </p:blipFill>
+        <p:spPr bwMode="auto">
+          <a:xfrm>
+            <a:off x="2165592" y="2048010"/>
+            <a:ext cx="469900" cy="469900"/>
+          </a:xfrm>
+          <a:prstGeom prst="rect">
+            <a:avLst/>
+          </a:prstGeom>
+          <a:noFill/>
+          <a:ln>
+            <a:noFill/>
+          </a:ln>
+          <a:extLst>
+            <a:ext uri="{909E8E84-426E-40DD-AFC4-6F175D3DCCD1}">
+              <a14:hiddenFill xmlns:a14="http://schemas.microsoft.com/office/drawing/2010/main">
+                <a:solidFill>
+                  <a:srgbClr val="FFFFFF"/>
+                </a:solidFill>
+              </a14:hiddenFill>
+            </a:ext>
+            <a:ext uri="{91240B29-F687-4F45-9708-019B960494DF}">
+              <a14:hiddenLine xmlns:a14="http://schemas.microsoft.com/office/drawing/2010/main" w="9525">
+                <a:solidFill>
+                  <a:srgbClr val="000000"/>
+                </a:solidFill>
+                <a:miter lim="800000"/>
+                <a:headEnd/>
+                <a:tailEnd/>
+              </a14:hiddenLine>
+            </a:ext>
+          </a:extLst>
+        </p:spPr>
+      </p:pic>
+      <p:sp>
+        <p:nvSpPr>
+          <p:cNvPr id="31" name="TextBox 28">
+            <a:extLst>
+              <a:ext uri="{FF2B5EF4-FFF2-40B4-BE49-F238E27FC236}">
+                <a16:creationId xmlns:a16="http://schemas.microsoft.com/office/drawing/2014/main" id="{0DC294B2-3BE9-4EC0-BF60-BACCCBDE0B6A}"/>
+              </a:ext>
+            </a:extLst>
+          </p:cNvPr>
+          <p:cNvSpPr txBox="1">
+            <a:spLocks noChangeArrowheads="1"/>
+          </p:cNvSpPr>
+          <p:nvPr/>
+        </p:nvSpPr>
+        <p:spPr bwMode="auto">
+          <a:xfrm>
+            <a:off x="1863967" y="2512009"/>
+            <a:ext cx="1073150" cy="430887"/>
+          </a:xfrm>
+          <a:prstGeom prst="rect">
+            <a:avLst/>
+          </a:prstGeom>
+          <a:noFill/>
+          <a:ln>
+            <a:noFill/>
+          </a:ln>
+          <a:extLst>
+            <a:ext uri="{909E8E84-426E-40DD-AFC4-6F175D3DCCD1}">
+              <a14:hiddenFill xmlns:a14="http://schemas.microsoft.com/office/drawing/2010/main">
+                <a:solidFill>
+                  <a:srgbClr val="FFFFFF"/>
+                </a:solidFill>
+              </a14:hiddenFill>
+            </a:ext>
+            <a:ext uri="{91240B29-F687-4F45-9708-019B960494DF}">
+              <a14:hiddenLine xmlns:a14="http://schemas.microsoft.com/office/drawing/2010/main" w="9525">
+                <a:solidFill>
+                  <a:srgbClr val="000000"/>
+                </a:solidFill>
+                <a:miter lim="800000"/>
+                <a:headEnd/>
+                <a:tailEnd/>
+              </a14:hiddenLine>
+            </a:ext>
+          </a:extLst>
+        </p:spPr>
+        <p:txBody>
+          <a:bodyPr>
+            <a:spAutoFit/>
+          </a:bodyPr>
+          <a:lstStyle>
+            <a:lvl1pPr>
+              <a:defRPr>
+                <a:solidFill>
+                  <a:schemeClr val="tx1"/>
+                </a:solidFill>
+                <a:latin typeface="Calibri" panose="020F0502020204030204" pitchFamily="34" charset="0"/>
+              </a:defRPr>
+            </a:lvl1pPr>
+            <a:lvl2pPr marL="742950" indent="-285750">
+              <a:defRPr>
+                <a:solidFill>
+                  <a:schemeClr val="tx1"/>
+                </a:solidFill>
+                <a:latin typeface="Calibri" panose="020F0502020204030204" pitchFamily="34" charset="0"/>
+              </a:defRPr>
+            </a:lvl2pPr>
+            <a:lvl3pPr marL="1143000" indent="-228600">
+              <a:defRPr>
+                <a:solidFill>
+                  <a:schemeClr val="tx1"/>
+                </a:solidFill>
+                <a:latin typeface="Calibri" panose="020F0502020204030204" pitchFamily="34" charset="0"/>
+              </a:defRPr>
+            </a:lvl3pPr>
+            <a:lvl4pPr marL="1600200" indent="-228600">
+              <a:defRPr>
+                <a:solidFill>
+                  <a:schemeClr val="tx1"/>
+                </a:solidFill>
+                <a:latin typeface="Calibri" panose="020F0502020204030204" pitchFamily="34" charset="0"/>
+              </a:defRPr>
+            </a:lvl4pPr>
+            <a:lvl5pPr marL="2057400" indent="-228600">
+              <a:defRPr>
+                <a:solidFill>
+                  <a:schemeClr val="tx1"/>
+                </a:solidFill>
+                <a:latin typeface="Calibri" panose="020F0502020204030204" pitchFamily="34" charset="0"/>
+              </a:defRPr>
+            </a:lvl5pPr>
+            <a:lvl6pPr marL="2514600" indent="-228600" eaLnBrk="0" fontAlgn="base" hangingPunct="0">
+              <a:spcBef>
+                <a:spcPct val="0"/>
+              </a:spcBef>
+              <a:spcAft>
+                <a:spcPct val="0"/>
+              </a:spcAft>
+              <a:defRPr>
+                <a:solidFill>
+                  <a:schemeClr val="tx1"/>
+                </a:solidFill>
+                <a:latin typeface="Calibri" panose="020F0502020204030204" pitchFamily="34" charset="0"/>
+              </a:defRPr>
+            </a:lvl6pPr>
+            <a:lvl7pPr marL="2971800" indent="-228600" eaLnBrk="0" fontAlgn="base" hangingPunct="0">
+              <a:spcBef>
+                <a:spcPct val="0"/>
+              </a:spcBef>
+              <a:spcAft>
+                <a:spcPct val="0"/>
+              </a:spcAft>
+              <a:defRPr>
+                <a:solidFill>
+                  <a:schemeClr val="tx1"/>
+                </a:solidFill>
+                <a:latin typeface="Calibri" panose="020F0502020204030204" pitchFamily="34" charset="0"/>
+              </a:defRPr>
+            </a:lvl7pPr>
+            <a:lvl8pPr marL="3429000" indent="-228600" eaLnBrk="0" fontAlgn="base" hangingPunct="0">
+              <a:spcBef>
+                <a:spcPct val="0"/>
+              </a:spcBef>
+              <a:spcAft>
+                <a:spcPct val="0"/>
+              </a:spcAft>
+              <a:defRPr>
+                <a:solidFill>
+                  <a:schemeClr val="tx1"/>
+                </a:solidFill>
+                <a:latin typeface="Calibri" panose="020F0502020204030204" pitchFamily="34" charset="0"/>
+              </a:defRPr>
+            </a:lvl8pPr>
+            <a:lvl9pPr marL="3886200" indent="-228600" eaLnBrk="0" fontAlgn="base" hangingPunct="0">
+              <a:spcBef>
+                <a:spcPct val="0"/>
+              </a:spcBef>
+              <a:spcAft>
+                <a:spcPct val="0"/>
+              </a:spcAft>
+              <a:defRPr>
+                <a:solidFill>
+                  <a:schemeClr val="tx1"/>
+                </a:solidFill>
+                <a:latin typeface="Calibri" panose="020F0502020204030204" pitchFamily="34" charset="0"/>
+              </a:defRPr>
+            </a:lvl9pPr>
+          </a:lstStyle>
+          <a:p>
+            <a:pPr algn="ctr" eaLnBrk="1" hangingPunct="1"/>
+            <a:r>
+              <a:rPr lang="en-US" altLang="en-US" sz="1100" dirty="0">
+                <a:solidFill>
+                  <a:srgbClr val="000000"/>
+                </a:solidFill>
+                <a:latin typeface="Arial" panose="020B0604020202020204" pitchFamily="34" charset="0"/>
+                <a:cs typeface="Arial" panose="020B0604020202020204" pitchFamily="34" charset="0"/>
+              </a:rPr>
+              <a:t>MongoDB database</a:t>
+            </a:r>
+          </a:p>
+        </p:txBody>
+      </p:sp>
+      <p:pic>
+        <p:nvPicPr>
+          <p:cNvPr id="35" name="Graphic 24">
+            <a:extLst>
+              <a:ext uri="{FF2B5EF4-FFF2-40B4-BE49-F238E27FC236}">
+                <a16:creationId xmlns:a16="http://schemas.microsoft.com/office/drawing/2014/main" id="{F44AE68A-AF79-4444-AD23-3CE66CD9FCA4}"/>
+              </a:ext>
+            </a:extLst>
+          </p:cNvPr>
+          <p:cNvPicPr>
+            <a:picLocks noChangeAspect="1" noChangeArrowheads="1"/>
+          </p:cNvPicPr>
+          <p:nvPr/>
+        </p:nvPicPr>
+        <p:blipFill>
+          <a:blip r:embed="rId9">
+            <a:extLst>
+              <a:ext uri="{28A0092B-C50C-407E-A947-70E740481C1C}">
+                <a14:useLocalDpi xmlns:a14="http://schemas.microsoft.com/office/drawing/2010/main" val="0"/>
+              </a:ext>
+            </a:extLst>
+          </a:blip>
+          <a:srcRect/>
+          <a:stretch>
+            <a:fillRect/>
+          </a:stretch>
+        </p:blipFill>
+        <p:spPr bwMode="auto">
+          <a:xfrm>
+            <a:off x="7115062" y="3214121"/>
+            <a:ext cx="457200" cy="457200"/>
+          </a:xfrm>
+          <a:prstGeom prst="rect">
+            <a:avLst/>
+          </a:prstGeom>
+          <a:noFill/>
+          <a:ln>
+            <a:noFill/>
+          </a:ln>
+          <a:extLst>
+            <a:ext uri="{909E8E84-426E-40DD-AFC4-6F175D3DCCD1}">
+              <a14:hiddenFill xmlns:a14="http://schemas.microsoft.com/office/drawing/2010/main">
+                <a:solidFill>
+                  <a:srgbClr val="FFFFFF"/>
+                </a:solidFill>
+              </a14:hiddenFill>
+            </a:ext>
+            <a:ext uri="{91240B29-F687-4F45-9708-019B960494DF}">
+              <a14:hiddenLine xmlns:a14="http://schemas.microsoft.com/office/drawing/2010/main" w="9525">
+                <a:solidFill>
+                  <a:srgbClr val="000000"/>
+                </a:solidFill>
+                <a:miter lim="800000"/>
+                <a:headEnd/>
+                <a:tailEnd/>
+              </a14:hiddenLine>
+            </a:ext>
+          </a:extLst>
+        </p:spPr>
+      </p:pic>
+      <p:sp>
+        <p:nvSpPr>
+          <p:cNvPr id="36" name="TextBox 26">
+            <a:extLst>
+              <a:ext uri="{FF2B5EF4-FFF2-40B4-BE49-F238E27FC236}">
+                <a16:creationId xmlns:a16="http://schemas.microsoft.com/office/drawing/2014/main" id="{E8F52A3B-629B-444B-B97F-6871C7FFF133}"/>
+              </a:ext>
+            </a:extLst>
+          </p:cNvPr>
+          <p:cNvSpPr txBox="1">
+            <a:spLocks noChangeArrowheads="1"/>
+          </p:cNvSpPr>
+          <p:nvPr/>
+        </p:nvSpPr>
+        <p:spPr bwMode="auto">
+          <a:xfrm>
+            <a:off x="6938156" y="3787467"/>
+            <a:ext cx="811012" cy="261610"/>
+          </a:xfrm>
+          <a:prstGeom prst="rect">
+            <a:avLst/>
+          </a:prstGeom>
+          <a:noFill/>
+          <a:ln>
+            <a:noFill/>
+          </a:ln>
+          <a:extLst>
+            <a:ext uri="{909E8E84-426E-40DD-AFC4-6F175D3DCCD1}">
+              <a14:hiddenFill xmlns:a14="http://schemas.microsoft.com/office/drawing/2010/main">
+                <a:solidFill>
+                  <a:srgbClr val="FFFFFF"/>
+                </a:solidFill>
+              </a14:hiddenFill>
+            </a:ext>
+            <a:ext uri="{91240B29-F687-4F45-9708-019B960494DF}">
+              <a14:hiddenLine xmlns:a14="http://schemas.microsoft.com/office/drawing/2010/main" w="9525">
+                <a:solidFill>
+                  <a:srgbClr val="000000"/>
+                </a:solidFill>
+                <a:miter lim="800000"/>
+                <a:headEnd/>
+                <a:tailEnd/>
+              </a14:hiddenLine>
+            </a:ext>
+          </a:extLst>
+        </p:spPr>
+        <p:txBody>
+          <a:bodyPr wrap="square">
+            <a:spAutoFit/>
+          </a:bodyPr>
+          <a:lstStyle>
+            <a:lvl1pPr>
+              <a:defRPr>
+                <a:solidFill>
+                  <a:schemeClr val="tx1"/>
+                </a:solidFill>
+                <a:latin typeface="Calibri" panose="020F0502020204030204" pitchFamily="34" charset="0"/>
+              </a:defRPr>
+            </a:lvl1pPr>
+            <a:lvl2pPr marL="742950" indent="-285750">
+              <a:defRPr>
+                <a:solidFill>
+                  <a:schemeClr val="tx1"/>
+                </a:solidFill>
+                <a:latin typeface="Calibri" panose="020F0502020204030204" pitchFamily="34" charset="0"/>
+              </a:defRPr>
+            </a:lvl2pPr>
+            <a:lvl3pPr marL="1143000" indent="-228600">
+              <a:defRPr>
+                <a:solidFill>
+                  <a:schemeClr val="tx1"/>
+                </a:solidFill>
+                <a:latin typeface="Calibri" panose="020F0502020204030204" pitchFamily="34" charset="0"/>
+              </a:defRPr>
+            </a:lvl3pPr>
+            <a:lvl4pPr marL="1600200" indent="-228600">
+              <a:defRPr>
+                <a:solidFill>
+                  <a:schemeClr val="tx1"/>
+                </a:solidFill>
+                <a:latin typeface="Calibri" panose="020F0502020204030204" pitchFamily="34" charset="0"/>
+              </a:defRPr>
+            </a:lvl4pPr>
+            <a:lvl5pPr marL="2057400" indent="-228600">
+              <a:defRPr>
+                <a:solidFill>
+                  <a:schemeClr val="tx1"/>
+                </a:solidFill>
+                <a:latin typeface="Calibri" panose="020F0502020204030204" pitchFamily="34" charset="0"/>
+              </a:defRPr>
+            </a:lvl5pPr>
+            <a:lvl6pPr marL="2514600" indent="-228600" eaLnBrk="0" fontAlgn="base" hangingPunct="0">
+              <a:spcBef>
+                <a:spcPct val="0"/>
+              </a:spcBef>
+              <a:spcAft>
+                <a:spcPct val="0"/>
+              </a:spcAft>
+              <a:defRPr>
+                <a:solidFill>
+                  <a:schemeClr val="tx1"/>
+                </a:solidFill>
+                <a:latin typeface="Calibri" panose="020F0502020204030204" pitchFamily="34" charset="0"/>
+              </a:defRPr>
+            </a:lvl6pPr>
+            <a:lvl7pPr marL="2971800" indent="-228600" eaLnBrk="0" fontAlgn="base" hangingPunct="0">
+              <a:spcBef>
+                <a:spcPct val="0"/>
+              </a:spcBef>
+              <a:spcAft>
+                <a:spcPct val="0"/>
+              </a:spcAft>
+              <a:defRPr>
+                <a:solidFill>
+                  <a:schemeClr val="tx1"/>
+                </a:solidFill>
+                <a:latin typeface="Calibri" panose="020F0502020204030204" pitchFamily="34" charset="0"/>
+              </a:defRPr>
+            </a:lvl7pPr>
+            <a:lvl8pPr marL="3429000" indent="-228600" eaLnBrk="0" fontAlgn="base" hangingPunct="0">
+              <a:spcBef>
+                <a:spcPct val="0"/>
+              </a:spcBef>
+              <a:spcAft>
+                <a:spcPct val="0"/>
+              </a:spcAft>
+              <a:defRPr>
+                <a:solidFill>
+                  <a:schemeClr val="tx1"/>
+                </a:solidFill>
+                <a:latin typeface="Calibri" panose="020F0502020204030204" pitchFamily="34" charset="0"/>
+              </a:defRPr>
+            </a:lvl8pPr>
+            <a:lvl9pPr marL="3886200" indent="-228600" eaLnBrk="0" fontAlgn="base" hangingPunct="0">
+              <a:spcBef>
+                <a:spcPct val="0"/>
+              </a:spcBef>
+              <a:spcAft>
+                <a:spcPct val="0"/>
+              </a:spcAft>
+              <a:defRPr>
+                <a:solidFill>
+                  <a:schemeClr val="tx1"/>
+                </a:solidFill>
+                <a:latin typeface="Calibri" panose="020F0502020204030204" pitchFamily="34" charset="0"/>
+              </a:defRPr>
+            </a:lvl9pPr>
+          </a:lstStyle>
+          <a:p>
+            <a:pPr algn="ctr" eaLnBrk="1" hangingPunct="1"/>
+            <a:r>
+              <a:rPr lang="en-US" altLang="en-US" sz="1100" dirty="0">
+                <a:latin typeface="Arial" panose="020B0604020202020204" pitchFamily="34" charset="0"/>
+                <a:ea typeface="Amazon Ember" panose="020B0603020204020204" pitchFamily="34" charset="0"/>
+                <a:cs typeface="Arial" panose="020B0604020202020204" pitchFamily="34" charset="0"/>
+              </a:rPr>
+              <a:t>Pull rule</a:t>
+            </a:r>
+          </a:p>
+        </p:txBody>
+      </p:sp>
+      <p:cxnSp>
+        <p:nvCxnSpPr>
+          <p:cNvPr id="37" name="Straight Arrow Connector 36">
+            <a:extLst>
+              <a:ext uri="{FF2B5EF4-FFF2-40B4-BE49-F238E27FC236}">
+                <a16:creationId xmlns:a16="http://schemas.microsoft.com/office/drawing/2014/main" id="{F766123B-DB3C-4AC1-BA9D-63C5A0BFF2EC}"/>
+              </a:ext>
+            </a:extLst>
+          </p:cNvPr>
+          <p:cNvCxnSpPr>
+            <a:cxnSpLocks/>
+            <a:stCxn id="18" idx="3"/>
+            <a:endCxn id="35" idx="1"/>
+          </p:cNvCxnSpPr>
+          <p:nvPr/>
+        </p:nvCxnSpPr>
+        <p:spPr>
+          <a:xfrm>
+            <a:off x="6639768" y="3442721"/>
+            <a:ext cx="475294" cy="0"/>
+          </a:xfrm>
+          <a:prstGeom prst="straightConnector1">
+            <a:avLst/>
+          </a:prstGeom>
+          <a:ln w="12700">
+            <a:solidFill>
+              <a:schemeClr val="tx2"/>
+            </a:solidFill>
+            <a:headEnd type="none" w="med" len="sm"/>
+            <a:tailEnd type="arrow" w="med" len="sm"/>
+          </a:ln>
+        </p:spPr>
+        <p:style>
+          <a:lnRef idx="1">
+            <a:schemeClr val="accent1"/>
+          </a:lnRef>
+          <a:fillRef idx="0">
+            <a:schemeClr val="accent1"/>
+          </a:fillRef>
+          <a:effectRef idx="0">
+            <a:schemeClr val="accent1"/>
+          </a:effectRef>
+          <a:fontRef idx="minor">
+            <a:schemeClr val="tx1"/>
+          </a:fontRef>
+        </p:style>
+      </p:cxnSp>
+      <p:sp>
+        <p:nvSpPr>
+          <p:cNvPr id="41" name="TextBox 26">
+            <a:extLst>
+              <a:ext uri="{FF2B5EF4-FFF2-40B4-BE49-F238E27FC236}">
+                <a16:creationId xmlns:a16="http://schemas.microsoft.com/office/drawing/2014/main" id="{33FAB049-1563-46CF-A7F9-F161BC54BA48}"/>
+              </a:ext>
+            </a:extLst>
+          </p:cNvPr>
+          <p:cNvSpPr txBox="1">
+            <a:spLocks noChangeArrowheads="1"/>
+          </p:cNvSpPr>
+          <p:nvPr/>
+        </p:nvSpPr>
+        <p:spPr bwMode="auto">
+          <a:xfrm>
+            <a:off x="4836418" y="3012251"/>
+            <a:ext cx="1073150" cy="430887"/>
+          </a:xfrm>
+          <a:prstGeom prst="rect">
+            <a:avLst/>
+          </a:prstGeom>
+          <a:noFill/>
+          <a:ln>
+            <a:noFill/>
+          </a:ln>
+          <a:extLst>
+            <a:ext uri="{909E8E84-426E-40DD-AFC4-6F175D3DCCD1}">
+              <a14:hiddenFill xmlns:a14="http://schemas.microsoft.com/office/drawing/2010/main">
+                <a:solidFill>
+                  <a:srgbClr val="FFFFFF"/>
+                </a:solidFill>
+              </a14:hiddenFill>
+            </a:ext>
+            <a:ext uri="{91240B29-F687-4F45-9708-019B960494DF}">
+              <a14:hiddenLine xmlns:a14="http://schemas.microsoft.com/office/drawing/2010/main" w="9525">
+                <a:solidFill>
+                  <a:srgbClr val="000000"/>
+                </a:solidFill>
+                <a:miter lim="800000"/>
+                <a:headEnd/>
+                <a:tailEnd/>
+              </a14:hiddenLine>
+            </a:ext>
+          </a:extLst>
+        </p:spPr>
+        <p:txBody>
+          <a:bodyPr>
+            <a:spAutoFit/>
+          </a:bodyPr>
+          <a:lstStyle>
+            <a:lvl1pPr>
+              <a:defRPr>
+                <a:solidFill>
+                  <a:schemeClr val="tx1"/>
+                </a:solidFill>
+                <a:latin typeface="Calibri" panose="020F0502020204030204" pitchFamily="34" charset="0"/>
+              </a:defRPr>
+            </a:lvl1pPr>
+            <a:lvl2pPr marL="742950" indent="-285750">
+              <a:defRPr>
+                <a:solidFill>
+                  <a:schemeClr val="tx1"/>
+                </a:solidFill>
+                <a:latin typeface="Calibri" panose="020F0502020204030204" pitchFamily="34" charset="0"/>
+              </a:defRPr>
+            </a:lvl2pPr>
+            <a:lvl3pPr marL="1143000" indent="-228600">
+              <a:defRPr>
+                <a:solidFill>
+                  <a:schemeClr val="tx1"/>
+                </a:solidFill>
+                <a:latin typeface="Calibri" panose="020F0502020204030204" pitchFamily="34" charset="0"/>
+              </a:defRPr>
+            </a:lvl3pPr>
+            <a:lvl4pPr marL="1600200" indent="-228600">
+              <a:defRPr>
+                <a:solidFill>
+                  <a:schemeClr val="tx1"/>
+                </a:solidFill>
+                <a:latin typeface="Calibri" panose="020F0502020204030204" pitchFamily="34" charset="0"/>
+              </a:defRPr>
+            </a:lvl4pPr>
+            <a:lvl5pPr marL="2057400" indent="-228600">
+              <a:defRPr>
+                <a:solidFill>
+                  <a:schemeClr val="tx1"/>
+                </a:solidFill>
+                <a:latin typeface="Calibri" panose="020F0502020204030204" pitchFamily="34" charset="0"/>
+              </a:defRPr>
+            </a:lvl5pPr>
+            <a:lvl6pPr marL="2514600" indent="-228600" eaLnBrk="0" fontAlgn="base" hangingPunct="0">
+              <a:spcBef>
+                <a:spcPct val="0"/>
+              </a:spcBef>
+              <a:spcAft>
+                <a:spcPct val="0"/>
+              </a:spcAft>
+              <a:defRPr>
+                <a:solidFill>
+                  <a:schemeClr val="tx1"/>
+                </a:solidFill>
+                <a:latin typeface="Calibri" panose="020F0502020204030204" pitchFamily="34" charset="0"/>
+              </a:defRPr>
+            </a:lvl6pPr>
+            <a:lvl7pPr marL="2971800" indent="-228600" eaLnBrk="0" fontAlgn="base" hangingPunct="0">
+              <a:spcBef>
+                <a:spcPct val="0"/>
+              </a:spcBef>
+              <a:spcAft>
+                <a:spcPct val="0"/>
+              </a:spcAft>
+              <a:defRPr>
+                <a:solidFill>
+                  <a:schemeClr val="tx1"/>
+                </a:solidFill>
+                <a:latin typeface="Calibri" panose="020F0502020204030204" pitchFamily="34" charset="0"/>
+              </a:defRPr>
+            </a:lvl7pPr>
+            <a:lvl8pPr marL="3429000" indent="-228600" eaLnBrk="0" fontAlgn="base" hangingPunct="0">
+              <a:spcBef>
+                <a:spcPct val="0"/>
+              </a:spcBef>
+              <a:spcAft>
+                <a:spcPct val="0"/>
+              </a:spcAft>
+              <a:defRPr>
+                <a:solidFill>
+                  <a:schemeClr val="tx1"/>
+                </a:solidFill>
+                <a:latin typeface="Calibri" panose="020F0502020204030204" pitchFamily="34" charset="0"/>
+              </a:defRPr>
+            </a:lvl8pPr>
+            <a:lvl9pPr marL="3886200" indent="-228600" eaLnBrk="0" fontAlgn="base" hangingPunct="0">
+              <a:spcBef>
+                <a:spcPct val="0"/>
+              </a:spcBef>
+              <a:spcAft>
+                <a:spcPct val="0"/>
+              </a:spcAft>
+              <a:defRPr>
+                <a:solidFill>
+                  <a:schemeClr val="tx1"/>
+                </a:solidFill>
+                <a:latin typeface="Calibri" panose="020F0502020204030204" pitchFamily="34" charset="0"/>
+              </a:defRPr>
+            </a:lvl9pPr>
+          </a:lstStyle>
+          <a:p>
+            <a:pPr algn="ctr" eaLnBrk="1" hangingPunct="1"/>
+            <a:r>
+              <a:rPr lang="en-US" altLang="en-US" sz="1100" i="1" dirty="0">
+                <a:solidFill>
+                  <a:srgbClr val="000000"/>
+                </a:solidFill>
+                <a:latin typeface="Arial" panose="020B0604020202020204" pitchFamily="34" charset="0"/>
+                <a:cs typeface="Arial" panose="020B0604020202020204" pitchFamily="34" charset="0"/>
+              </a:rPr>
+              <a:t>MongoDB change event</a:t>
+            </a:r>
+          </a:p>
+        </p:txBody>
+      </p:sp>
+      <p:cxnSp>
+        <p:nvCxnSpPr>
+          <p:cNvPr id="44" name="Straight Arrow Connector 43">
+            <a:extLst>
+              <a:ext uri="{FF2B5EF4-FFF2-40B4-BE49-F238E27FC236}">
+                <a16:creationId xmlns:a16="http://schemas.microsoft.com/office/drawing/2014/main" id="{484336DB-EDF4-41D1-9B46-C0CF990F682A}"/>
+              </a:ext>
+            </a:extLst>
+          </p:cNvPr>
+          <p:cNvCxnSpPr>
+            <a:cxnSpLocks/>
+            <a:stCxn id="15" idx="3"/>
+            <a:endCxn id="13" idx="1"/>
+          </p:cNvCxnSpPr>
+          <p:nvPr/>
+        </p:nvCxnSpPr>
+        <p:spPr>
+          <a:xfrm>
+            <a:off x="6639768" y="2282960"/>
+            <a:ext cx="475294" cy="0"/>
+          </a:xfrm>
+          <a:prstGeom prst="straightConnector1">
+            <a:avLst/>
+          </a:prstGeom>
+          <a:ln w="12700">
+            <a:solidFill>
+              <a:schemeClr val="tx2"/>
+            </a:solidFill>
+            <a:headEnd type="arrow" w="med" len="sm"/>
+            <a:tailEnd type="none" w="med" len="sm"/>
+          </a:ln>
+        </p:spPr>
+        <p:style>
+          <a:lnRef idx="1">
+            <a:schemeClr val="accent1"/>
+          </a:lnRef>
+          <a:fillRef idx="0">
+            <a:schemeClr val="accent1"/>
+          </a:fillRef>
+          <a:effectRef idx="0">
+            <a:schemeClr val="accent1"/>
+          </a:effectRef>
+          <a:fontRef idx="minor">
+            <a:schemeClr val="tx1"/>
+          </a:fontRef>
+        </p:style>
+      </p:cxnSp>
+      <p:cxnSp>
+        <p:nvCxnSpPr>
+          <p:cNvPr id="47" name="Straight Arrow Connector 46">
+            <a:extLst>
+              <a:ext uri="{FF2B5EF4-FFF2-40B4-BE49-F238E27FC236}">
+                <a16:creationId xmlns:a16="http://schemas.microsoft.com/office/drawing/2014/main" id="{F7B7B6F3-337E-43C6-A973-B4C3E2BC2161}"/>
+              </a:ext>
+            </a:extLst>
+          </p:cNvPr>
+          <p:cNvCxnSpPr>
+            <a:cxnSpLocks/>
+            <a:stCxn id="52" idx="3"/>
+            <a:endCxn id="15" idx="1"/>
+          </p:cNvCxnSpPr>
+          <p:nvPr/>
+        </p:nvCxnSpPr>
+        <p:spPr>
+          <a:xfrm>
+            <a:off x="4821151" y="2282960"/>
+            <a:ext cx="1361417" cy="0"/>
+          </a:xfrm>
+          <a:prstGeom prst="straightConnector1">
+            <a:avLst/>
+          </a:prstGeom>
+          <a:ln w="12700">
+            <a:solidFill>
+              <a:schemeClr val="tx2"/>
+            </a:solidFill>
+            <a:headEnd type="arrow" w="med" len="sm"/>
+            <a:tailEnd type="none" w="med" len="sm"/>
+          </a:ln>
+        </p:spPr>
+        <p:style>
+          <a:lnRef idx="1">
+            <a:schemeClr val="accent1"/>
+          </a:lnRef>
+          <a:fillRef idx="0">
+            <a:schemeClr val="accent1"/>
+          </a:fillRef>
+          <a:effectRef idx="0">
+            <a:schemeClr val="accent1"/>
+          </a:effectRef>
+          <a:fontRef idx="minor">
+            <a:schemeClr val="tx1"/>
+          </a:fontRef>
+        </p:style>
+      </p:cxnSp>
+      <p:sp>
+        <p:nvSpPr>
+          <p:cNvPr id="50" name="TextBox 26">
+            <a:extLst>
+              <a:ext uri="{FF2B5EF4-FFF2-40B4-BE49-F238E27FC236}">
+                <a16:creationId xmlns:a16="http://schemas.microsoft.com/office/drawing/2014/main" id="{25BBF66A-40DE-40B7-BD6A-ED2CC088A69A}"/>
+              </a:ext>
+            </a:extLst>
+          </p:cNvPr>
+          <p:cNvSpPr txBox="1">
+            <a:spLocks noChangeArrowheads="1"/>
+          </p:cNvSpPr>
+          <p:nvPr/>
+        </p:nvSpPr>
+        <p:spPr bwMode="auto">
+          <a:xfrm>
+            <a:off x="4836418" y="1862826"/>
+            <a:ext cx="1073150" cy="430887"/>
+          </a:xfrm>
+          <a:prstGeom prst="rect">
+            <a:avLst/>
+          </a:prstGeom>
+          <a:noFill/>
+          <a:ln>
+            <a:noFill/>
+          </a:ln>
+          <a:extLst>
+            <a:ext uri="{909E8E84-426E-40DD-AFC4-6F175D3DCCD1}">
+              <a14:hiddenFill xmlns:a14="http://schemas.microsoft.com/office/drawing/2010/main">
+                <a:solidFill>
+                  <a:srgbClr val="FFFFFF"/>
+                </a:solidFill>
+              </a14:hiddenFill>
+            </a:ext>
+            <a:ext uri="{91240B29-F687-4F45-9708-019B960494DF}">
+              <a14:hiddenLine xmlns:a14="http://schemas.microsoft.com/office/drawing/2010/main" w="9525">
+                <a:solidFill>
+                  <a:srgbClr val="000000"/>
+                </a:solidFill>
+                <a:miter lim="800000"/>
+                <a:headEnd/>
+                <a:tailEnd/>
+              </a14:hiddenLine>
+            </a:ext>
+          </a:extLst>
+        </p:spPr>
+        <p:txBody>
+          <a:bodyPr>
+            <a:spAutoFit/>
+          </a:bodyPr>
+          <a:lstStyle>
+            <a:lvl1pPr>
+              <a:defRPr>
+                <a:solidFill>
+                  <a:schemeClr val="tx1"/>
+                </a:solidFill>
+                <a:latin typeface="Calibri" panose="020F0502020204030204" pitchFamily="34" charset="0"/>
+              </a:defRPr>
+            </a:lvl1pPr>
+            <a:lvl2pPr marL="742950" indent="-285750">
+              <a:defRPr>
+                <a:solidFill>
+                  <a:schemeClr val="tx1"/>
+                </a:solidFill>
+                <a:latin typeface="Calibri" panose="020F0502020204030204" pitchFamily="34" charset="0"/>
+              </a:defRPr>
+            </a:lvl2pPr>
+            <a:lvl3pPr marL="1143000" indent="-228600">
+              <a:defRPr>
+                <a:solidFill>
+                  <a:schemeClr val="tx1"/>
+                </a:solidFill>
+                <a:latin typeface="Calibri" panose="020F0502020204030204" pitchFamily="34" charset="0"/>
+              </a:defRPr>
+            </a:lvl3pPr>
+            <a:lvl4pPr marL="1600200" indent="-228600">
+              <a:defRPr>
+                <a:solidFill>
+                  <a:schemeClr val="tx1"/>
+                </a:solidFill>
+                <a:latin typeface="Calibri" panose="020F0502020204030204" pitchFamily="34" charset="0"/>
+              </a:defRPr>
+            </a:lvl4pPr>
+            <a:lvl5pPr marL="2057400" indent="-228600">
+              <a:defRPr>
+                <a:solidFill>
+                  <a:schemeClr val="tx1"/>
+                </a:solidFill>
+                <a:latin typeface="Calibri" panose="020F0502020204030204" pitchFamily="34" charset="0"/>
+              </a:defRPr>
+            </a:lvl5pPr>
+            <a:lvl6pPr marL="2514600" indent="-228600" eaLnBrk="0" fontAlgn="base" hangingPunct="0">
+              <a:spcBef>
+                <a:spcPct val="0"/>
+              </a:spcBef>
+              <a:spcAft>
+                <a:spcPct val="0"/>
+              </a:spcAft>
+              <a:defRPr>
+                <a:solidFill>
+                  <a:schemeClr val="tx1"/>
+                </a:solidFill>
+                <a:latin typeface="Calibri" panose="020F0502020204030204" pitchFamily="34" charset="0"/>
+              </a:defRPr>
+            </a:lvl6pPr>
+            <a:lvl7pPr marL="2971800" indent="-228600" eaLnBrk="0" fontAlgn="base" hangingPunct="0">
+              <a:spcBef>
+                <a:spcPct val="0"/>
+              </a:spcBef>
+              <a:spcAft>
+                <a:spcPct val="0"/>
+              </a:spcAft>
+              <a:defRPr>
+                <a:solidFill>
+                  <a:schemeClr val="tx1"/>
+                </a:solidFill>
+                <a:latin typeface="Calibri" panose="020F0502020204030204" pitchFamily="34" charset="0"/>
+              </a:defRPr>
+            </a:lvl7pPr>
+            <a:lvl8pPr marL="3429000" indent="-228600" eaLnBrk="0" fontAlgn="base" hangingPunct="0">
+              <a:spcBef>
+                <a:spcPct val="0"/>
+              </a:spcBef>
+              <a:spcAft>
+                <a:spcPct val="0"/>
+              </a:spcAft>
+              <a:defRPr>
+                <a:solidFill>
+                  <a:schemeClr val="tx1"/>
+                </a:solidFill>
+                <a:latin typeface="Calibri" panose="020F0502020204030204" pitchFamily="34" charset="0"/>
+              </a:defRPr>
+            </a:lvl8pPr>
+            <a:lvl9pPr marL="3886200" indent="-228600" eaLnBrk="0" fontAlgn="base" hangingPunct="0">
+              <a:spcBef>
+                <a:spcPct val="0"/>
+              </a:spcBef>
+              <a:spcAft>
+                <a:spcPct val="0"/>
+              </a:spcAft>
+              <a:defRPr>
+                <a:solidFill>
+                  <a:schemeClr val="tx1"/>
+                </a:solidFill>
+                <a:latin typeface="Calibri" panose="020F0502020204030204" pitchFamily="34" charset="0"/>
+              </a:defRPr>
+            </a:lvl9pPr>
+          </a:lstStyle>
+          <a:p>
+            <a:pPr algn="ctr" eaLnBrk="1" hangingPunct="1"/>
+            <a:r>
+              <a:rPr lang="en-US" altLang="en-US" sz="1100" i="1" dirty="0" err="1">
+                <a:solidFill>
+                  <a:srgbClr val="000000"/>
+                </a:solidFill>
+                <a:latin typeface="Arial" panose="020B0604020202020204" pitchFamily="34" charset="0"/>
+                <a:cs typeface="Arial" panose="020B0604020202020204" pitchFamily="34" charset="0"/>
+              </a:rPr>
+              <a:t>SageMaker</a:t>
+            </a:r>
+            <a:r>
+              <a:rPr lang="en-US" altLang="en-US" sz="1100" i="1" dirty="0">
+                <a:solidFill>
+                  <a:srgbClr val="000000"/>
+                </a:solidFill>
+                <a:latin typeface="Arial" panose="020B0604020202020204" pitchFamily="34" charset="0"/>
+                <a:cs typeface="Arial" panose="020B0604020202020204" pitchFamily="34" charset="0"/>
+              </a:rPr>
+              <a:t> result event</a:t>
+            </a:r>
+          </a:p>
+        </p:txBody>
+      </p:sp>
+      <p:sp>
+        <p:nvSpPr>
+          <p:cNvPr id="51" name="TextBox 17">
+            <a:extLst>
+              <a:ext uri="{FF2B5EF4-FFF2-40B4-BE49-F238E27FC236}">
+                <a16:creationId xmlns:a16="http://schemas.microsoft.com/office/drawing/2014/main" id="{A54AF737-C6B9-4FFB-A8C6-B70AD6684E81}"/>
+              </a:ext>
+            </a:extLst>
+          </p:cNvPr>
+          <p:cNvSpPr txBox="1">
+            <a:spLocks noChangeArrowheads="1"/>
+          </p:cNvSpPr>
+          <p:nvPr/>
+        </p:nvSpPr>
+        <p:spPr bwMode="auto">
+          <a:xfrm>
+            <a:off x="3903025" y="2512009"/>
+            <a:ext cx="1362074" cy="261610"/>
+          </a:xfrm>
+          <a:prstGeom prst="rect">
+            <a:avLst/>
+          </a:prstGeom>
+          <a:noFill/>
+          <a:ln>
+            <a:noFill/>
+          </a:ln>
+          <a:extLst>
+            <a:ext uri="{909E8E84-426E-40DD-AFC4-6F175D3DCCD1}">
+              <a14:hiddenFill xmlns:a14="http://schemas.microsoft.com/office/drawing/2010/main">
+                <a:solidFill>
+                  <a:srgbClr val="FFFFFF"/>
+                </a:solidFill>
+              </a14:hiddenFill>
+            </a:ext>
+            <a:ext uri="{91240B29-F687-4F45-9708-019B960494DF}">
+              <a14:hiddenLine xmlns:a14="http://schemas.microsoft.com/office/drawing/2010/main" w="9525">
+                <a:solidFill>
+                  <a:srgbClr val="000000"/>
+                </a:solidFill>
+                <a:miter lim="800000"/>
+                <a:headEnd/>
+                <a:tailEnd/>
+              </a14:hiddenLine>
+            </a:ext>
+          </a:extLst>
+        </p:spPr>
+        <p:txBody>
+          <a:bodyPr wrap="square">
+            <a:spAutoFit/>
+          </a:bodyPr>
+          <a:lstStyle>
+            <a:lvl1pPr>
+              <a:defRPr>
+                <a:solidFill>
+                  <a:schemeClr val="tx1"/>
+                </a:solidFill>
+                <a:latin typeface="Calibri" panose="020F0502020204030204" pitchFamily="34" charset="0"/>
+              </a:defRPr>
+            </a:lvl1pPr>
+            <a:lvl2pPr marL="742950" indent="-285750">
+              <a:defRPr>
+                <a:solidFill>
+                  <a:schemeClr val="tx1"/>
+                </a:solidFill>
+                <a:latin typeface="Calibri" panose="020F0502020204030204" pitchFamily="34" charset="0"/>
+              </a:defRPr>
+            </a:lvl2pPr>
+            <a:lvl3pPr marL="1143000" indent="-228600">
+              <a:defRPr>
+                <a:solidFill>
+                  <a:schemeClr val="tx1"/>
+                </a:solidFill>
+                <a:latin typeface="Calibri" panose="020F0502020204030204" pitchFamily="34" charset="0"/>
+              </a:defRPr>
+            </a:lvl3pPr>
+            <a:lvl4pPr marL="1600200" indent="-228600">
+              <a:defRPr>
+                <a:solidFill>
+                  <a:schemeClr val="tx1"/>
+                </a:solidFill>
+                <a:latin typeface="Calibri" panose="020F0502020204030204" pitchFamily="34" charset="0"/>
+              </a:defRPr>
+            </a:lvl4pPr>
+            <a:lvl5pPr marL="2057400" indent="-228600">
+              <a:defRPr>
+                <a:solidFill>
+                  <a:schemeClr val="tx1"/>
+                </a:solidFill>
+                <a:latin typeface="Calibri" panose="020F0502020204030204" pitchFamily="34" charset="0"/>
+              </a:defRPr>
+            </a:lvl5pPr>
+            <a:lvl6pPr marL="2514600" indent="-228600" eaLnBrk="0" fontAlgn="base" hangingPunct="0">
+              <a:spcBef>
+                <a:spcPct val="0"/>
+              </a:spcBef>
+              <a:spcAft>
+                <a:spcPct val="0"/>
+              </a:spcAft>
+              <a:defRPr>
+                <a:solidFill>
+                  <a:schemeClr val="tx1"/>
+                </a:solidFill>
+                <a:latin typeface="Calibri" panose="020F0502020204030204" pitchFamily="34" charset="0"/>
+              </a:defRPr>
+            </a:lvl6pPr>
+            <a:lvl7pPr marL="2971800" indent="-228600" eaLnBrk="0" fontAlgn="base" hangingPunct="0">
+              <a:spcBef>
+                <a:spcPct val="0"/>
+              </a:spcBef>
+              <a:spcAft>
+                <a:spcPct val="0"/>
+              </a:spcAft>
+              <a:defRPr>
+                <a:solidFill>
+                  <a:schemeClr val="tx1"/>
+                </a:solidFill>
+                <a:latin typeface="Calibri" panose="020F0502020204030204" pitchFamily="34" charset="0"/>
+              </a:defRPr>
+            </a:lvl7pPr>
+            <a:lvl8pPr marL="3429000" indent="-228600" eaLnBrk="0" fontAlgn="base" hangingPunct="0">
+              <a:spcBef>
+                <a:spcPct val="0"/>
+              </a:spcBef>
+              <a:spcAft>
+                <a:spcPct val="0"/>
+              </a:spcAft>
+              <a:defRPr>
+                <a:solidFill>
+                  <a:schemeClr val="tx1"/>
+                </a:solidFill>
+                <a:latin typeface="Calibri" panose="020F0502020204030204" pitchFamily="34" charset="0"/>
+              </a:defRPr>
+            </a:lvl8pPr>
+            <a:lvl9pPr marL="3886200" indent="-228600" eaLnBrk="0" fontAlgn="base" hangingPunct="0">
+              <a:spcBef>
+                <a:spcPct val="0"/>
+              </a:spcBef>
+              <a:spcAft>
+                <a:spcPct val="0"/>
+              </a:spcAft>
+              <a:defRPr>
+                <a:solidFill>
+                  <a:schemeClr val="tx1"/>
+                </a:solidFill>
+                <a:latin typeface="Calibri" panose="020F0502020204030204" pitchFamily="34" charset="0"/>
+              </a:defRPr>
+            </a:lvl9pPr>
+          </a:lstStyle>
+          <a:p>
+            <a:pPr algn="ctr" eaLnBrk="1" hangingPunct="1"/>
+            <a:r>
+              <a:rPr lang="en-US" altLang="en-US" sz="1100" dirty="0">
+                <a:latin typeface="Arial" panose="020B0604020202020204" pitchFamily="34" charset="0"/>
+                <a:ea typeface="Amazon Ember" panose="020B0603020204020204" pitchFamily="34" charset="0"/>
+                <a:cs typeface="Arial" panose="020B0604020202020204" pitchFamily="34" charset="0"/>
+              </a:rPr>
+              <a:t>Push results</a:t>
+            </a:r>
+          </a:p>
+        </p:txBody>
+      </p:sp>
+      <p:pic>
+        <p:nvPicPr>
+          <p:cNvPr id="52" name="Graphic 13">
+            <a:extLst>
+              <a:ext uri="{FF2B5EF4-FFF2-40B4-BE49-F238E27FC236}">
+                <a16:creationId xmlns:a16="http://schemas.microsoft.com/office/drawing/2014/main" id="{66F9197F-528B-4FF1-A79E-583CA872DA28}"/>
+              </a:ext>
+            </a:extLst>
+          </p:cNvPr>
+          <p:cNvPicPr>
+            <a:picLocks noChangeAspect="1" noChangeArrowheads="1"/>
+          </p:cNvPicPr>
+          <p:nvPr/>
+        </p:nvPicPr>
+        <p:blipFill>
+          <a:blip r:embed="rId14">
+            <a:extLst>
+              <a:ext uri="{28A0092B-C50C-407E-A947-70E740481C1C}">
+                <a14:useLocalDpi xmlns:a14="http://schemas.microsoft.com/office/drawing/2010/main" val="0"/>
+              </a:ext>
+            </a:extLst>
+          </a:blip>
+          <a:srcRect/>
+          <a:stretch>
+            <a:fillRect/>
+          </a:stretch>
+        </p:blipFill>
+        <p:spPr bwMode="auto">
+          <a:xfrm>
+            <a:off x="4363951" y="2054360"/>
+            <a:ext cx="457200" cy="457200"/>
+          </a:xfrm>
+          <a:prstGeom prst="rect">
+            <a:avLst/>
+          </a:prstGeom>
+          <a:noFill/>
+          <a:ln>
+            <a:noFill/>
+          </a:ln>
+          <a:extLst>
+            <a:ext uri="{909E8E84-426E-40DD-AFC4-6F175D3DCCD1}">
+              <a14:hiddenFill xmlns:a14="http://schemas.microsoft.com/office/drawing/2010/main">
+                <a:solidFill>
+                  <a:srgbClr val="FFFFFF"/>
+                </a:solidFill>
+              </a14:hiddenFill>
+            </a:ext>
+            <a:ext uri="{91240B29-F687-4F45-9708-019B960494DF}">
+              <a14:hiddenLine xmlns:a14="http://schemas.microsoft.com/office/drawing/2010/main" w="9525">
+                <a:solidFill>
+                  <a:srgbClr val="000000"/>
+                </a:solidFill>
+                <a:miter lim="800000"/>
+                <a:headEnd/>
+                <a:tailEnd/>
+              </a14:hiddenLine>
+            </a:ext>
+          </a:extLst>
+        </p:spPr>
+      </p:pic>
+      <p:sp>
+        <p:nvSpPr>
+          <p:cNvPr id="53" name="TextBox 17">
+            <a:extLst>
+              <a:ext uri="{FF2B5EF4-FFF2-40B4-BE49-F238E27FC236}">
+                <a16:creationId xmlns:a16="http://schemas.microsoft.com/office/drawing/2014/main" id="{9EF78539-8613-47EE-AE00-8D65DECA2879}"/>
+              </a:ext>
+            </a:extLst>
+          </p:cNvPr>
+          <p:cNvSpPr txBox="1">
+            <a:spLocks noChangeArrowheads="1"/>
+          </p:cNvSpPr>
+          <p:nvPr/>
+        </p:nvSpPr>
+        <p:spPr bwMode="auto">
+          <a:xfrm>
+            <a:off x="7727729" y="3787467"/>
+            <a:ext cx="1362074" cy="261610"/>
+          </a:xfrm>
+          <a:prstGeom prst="rect">
+            <a:avLst/>
+          </a:prstGeom>
+          <a:noFill/>
+          <a:ln>
+            <a:noFill/>
+          </a:ln>
+          <a:extLst>
+            <a:ext uri="{909E8E84-426E-40DD-AFC4-6F175D3DCCD1}">
+              <a14:hiddenFill xmlns:a14="http://schemas.microsoft.com/office/drawing/2010/main">
+                <a:solidFill>
+                  <a:srgbClr val="FFFFFF"/>
+                </a:solidFill>
+              </a14:hiddenFill>
+            </a:ext>
+            <a:ext uri="{91240B29-F687-4F45-9708-019B960494DF}">
+              <a14:hiddenLine xmlns:a14="http://schemas.microsoft.com/office/drawing/2010/main" w="9525">
+                <a:solidFill>
+                  <a:srgbClr val="000000"/>
+                </a:solidFill>
+                <a:miter lim="800000"/>
+                <a:headEnd/>
+                <a:tailEnd/>
+              </a14:hiddenLine>
+            </a:ext>
+          </a:extLst>
+        </p:spPr>
+        <p:txBody>
+          <a:bodyPr wrap="square">
+            <a:spAutoFit/>
+          </a:bodyPr>
+          <a:lstStyle>
+            <a:lvl1pPr>
+              <a:defRPr>
+                <a:solidFill>
+                  <a:schemeClr val="tx1"/>
+                </a:solidFill>
+                <a:latin typeface="Calibri" panose="020F0502020204030204" pitchFamily="34" charset="0"/>
+              </a:defRPr>
+            </a:lvl1pPr>
+            <a:lvl2pPr marL="742950" indent="-285750">
+              <a:defRPr>
+                <a:solidFill>
+                  <a:schemeClr val="tx1"/>
+                </a:solidFill>
+                <a:latin typeface="Calibri" panose="020F0502020204030204" pitchFamily="34" charset="0"/>
+              </a:defRPr>
+            </a:lvl2pPr>
+            <a:lvl3pPr marL="1143000" indent="-228600">
+              <a:defRPr>
+                <a:solidFill>
+                  <a:schemeClr val="tx1"/>
+                </a:solidFill>
+                <a:latin typeface="Calibri" panose="020F0502020204030204" pitchFamily="34" charset="0"/>
+              </a:defRPr>
+            </a:lvl3pPr>
+            <a:lvl4pPr marL="1600200" indent="-228600">
+              <a:defRPr>
+                <a:solidFill>
+                  <a:schemeClr val="tx1"/>
+                </a:solidFill>
+                <a:latin typeface="Calibri" panose="020F0502020204030204" pitchFamily="34" charset="0"/>
+              </a:defRPr>
+            </a:lvl4pPr>
+            <a:lvl5pPr marL="2057400" indent="-228600">
+              <a:defRPr>
+                <a:solidFill>
+                  <a:schemeClr val="tx1"/>
+                </a:solidFill>
+                <a:latin typeface="Calibri" panose="020F0502020204030204" pitchFamily="34" charset="0"/>
+              </a:defRPr>
+            </a:lvl5pPr>
+            <a:lvl6pPr marL="2514600" indent="-228600" eaLnBrk="0" fontAlgn="base" hangingPunct="0">
+              <a:spcBef>
+                <a:spcPct val="0"/>
+              </a:spcBef>
+              <a:spcAft>
+                <a:spcPct val="0"/>
+              </a:spcAft>
+              <a:defRPr>
+                <a:solidFill>
+                  <a:schemeClr val="tx1"/>
+                </a:solidFill>
+                <a:latin typeface="Calibri" panose="020F0502020204030204" pitchFamily="34" charset="0"/>
+              </a:defRPr>
+            </a:lvl6pPr>
+            <a:lvl7pPr marL="2971800" indent="-228600" eaLnBrk="0" fontAlgn="base" hangingPunct="0">
+              <a:spcBef>
+                <a:spcPct val="0"/>
+              </a:spcBef>
+              <a:spcAft>
+                <a:spcPct val="0"/>
+              </a:spcAft>
+              <a:defRPr>
+                <a:solidFill>
+                  <a:schemeClr val="tx1"/>
+                </a:solidFill>
+                <a:latin typeface="Calibri" panose="020F0502020204030204" pitchFamily="34" charset="0"/>
+              </a:defRPr>
+            </a:lvl7pPr>
+            <a:lvl8pPr marL="3429000" indent="-228600" eaLnBrk="0" fontAlgn="base" hangingPunct="0">
+              <a:spcBef>
+                <a:spcPct val="0"/>
+              </a:spcBef>
+              <a:spcAft>
+                <a:spcPct val="0"/>
+              </a:spcAft>
+              <a:defRPr>
+                <a:solidFill>
+                  <a:schemeClr val="tx1"/>
+                </a:solidFill>
+                <a:latin typeface="Calibri" panose="020F0502020204030204" pitchFamily="34" charset="0"/>
+              </a:defRPr>
+            </a:lvl8pPr>
+            <a:lvl9pPr marL="3886200" indent="-228600" eaLnBrk="0" fontAlgn="base" hangingPunct="0">
+              <a:spcBef>
+                <a:spcPct val="0"/>
+              </a:spcBef>
+              <a:spcAft>
+                <a:spcPct val="0"/>
+              </a:spcAft>
+              <a:defRPr>
+                <a:solidFill>
+                  <a:schemeClr val="tx1"/>
+                </a:solidFill>
+                <a:latin typeface="Calibri" panose="020F0502020204030204" pitchFamily="34" charset="0"/>
+              </a:defRPr>
+            </a:lvl9pPr>
+          </a:lstStyle>
+          <a:p>
+            <a:pPr algn="ctr" eaLnBrk="1" hangingPunct="1"/>
+            <a:r>
+              <a:rPr lang="en-US" altLang="en-US" sz="1100" dirty="0">
+                <a:latin typeface="Arial" panose="020B0604020202020204" pitchFamily="34" charset="0"/>
+                <a:ea typeface="Amazon Ember" panose="020B0603020204020204" pitchFamily="34" charset="0"/>
+                <a:cs typeface="Arial" panose="020B0604020202020204" pitchFamily="34" charset="0"/>
+              </a:rPr>
+              <a:t>Pull events</a:t>
+            </a:r>
+          </a:p>
+        </p:txBody>
+      </p:sp>
+      <p:pic>
+        <p:nvPicPr>
+          <p:cNvPr id="54" name="Graphic 13">
+            <a:extLst>
+              <a:ext uri="{FF2B5EF4-FFF2-40B4-BE49-F238E27FC236}">
+                <a16:creationId xmlns:a16="http://schemas.microsoft.com/office/drawing/2014/main" id="{A4278FBA-6F31-4B94-9046-23FF66827C37}"/>
+              </a:ext>
+            </a:extLst>
+          </p:cNvPr>
+          <p:cNvPicPr>
+            <a:picLocks noChangeAspect="1" noChangeArrowheads="1"/>
+          </p:cNvPicPr>
+          <p:nvPr/>
+        </p:nvPicPr>
+        <p:blipFill>
+          <a:blip r:embed="rId14">
+            <a:extLst>
+              <a:ext uri="{28A0092B-C50C-407E-A947-70E740481C1C}">
+                <a14:useLocalDpi xmlns:a14="http://schemas.microsoft.com/office/drawing/2010/main" val="0"/>
+              </a:ext>
+            </a:extLst>
+          </a:blip>
+          <a:srcRect/>
+          <a:stretch>
+            <a:fillRect/>
+          </a:stretch>
+        </p:blipFill>
+        <p:spPr bwMode="auto">
+          <a:xfrm>
+            <a:off x="8188655" y="3214121"/>
+            <a:ext cx="457200" cy="457200"/>
+          </a:xfrm>
+          <a:prstGeom prst="rect">
+            <a:avLst/>
+          </a:prstGeom>
+          <a:noFill/>
+          <a:ln>
+            <a:noFill/>
+          </a:ln>
+          <a:extLst>
+            <a:ext uri="{909E8E84-426E-40DD-AFC4-6F175D3DCCD1}">
+              <a14:hiddenFill xmlns:a14="http://schemas.microsoft.com/office/drawing/2010/main">
+                <a:solidFill>
+                  <a:srgbClr val="FFFFFF"/>
+                </a:solidFill>
+              </a14:hiddenFill>
+            </a:ext>
+            <a:ext uri="{91240B29-F687-4F45-9708-019B960494DF}">
+              <a14:hiddenLine xmlns:a14="http://schemas.microsoft.com/office/drawing/2010/main" w="9525">
+                <a:solidFill>
+                  <a:srgbClr val="000000"/>
+                </a:solidFill>
+                <a:miter lim="800000"/>
+                <a:headEnd/>
+                <a:tailEnd/>
+              </a14:hiddenLine>
+            </a:ext>
+          </a:extLst>
+        </p:spPr>
+      </p:pic>
+      <p:cxnSp>
+        <p:nvCxnSpPr>
+          <p:cNvPr id="56" name="Straight Arrow Connector 55">
+            <a:extLst>
+              <a:ext uri="{FF2B5EF4-FFF2-40B4-BE49-F238E27FC236}">
+                <a16:creationId xmlns:a16="http://schemas.microsoft.com/office/drawing/2014/main" id="{34C45BE2-DE11-4D35-B842-77972BC60B0A}"/>
+              </a:ext>
+            </a:extLst>
+          </p:cNvPr>
+          <p:cNvCxnSpPr>
+            <a:cxnSpLocks/>
+            <a:stCxn id="30" idx="3"/>
+            <a:endCxn id="52" idx="1"/>
+          </p:cNvCxnSpPr>
+          <p:nvPr/>
+        </p:nvCxnSpPr>
+        <p:spPr>
+          <a:xfrm>
+            <a:off x="2635492" y="2282960"/>
+            <a:ext cx="1728459" cy="0"/>
+          </a:xfrm>
+          <a:prstGeom prst="straightConnector1">
+            <a:avLst/>
+          </a:prstGeom>
+          <a:ln w="12700">
+            <a:solidFill>
+              <a:schemeClr val="tx2"/>
+            </a:solidFill>
+            <a:headEnd type="arrow" w="med" len="sm"/>
+            <a:tailEnd type="none" w="med" len="sm"/>
+          </a:ln>
+        </p:spPr>
+        <p:style>
+          <a:lnRef idx="1">
+            <a:schemeClr val="accent1"/>
+          </a:lnRef>
+          <a:fillRef idx="0">
+            <a:schemeClr val="accent1"/>
+          </a:fillRef>
+          <a:effectRef idx="0">
+            <a:schemeClr val="accent1"/>
+          </a:effectRef>
+          <a:fontRef idx="minor">
+            <a:schemeClr val="tx1"/>
+          </a:fontRef>
+        </p:style>
+      </p:cxnSp>
+      <p:cxnSp>
+        <p:nvCxnSpPr>
+          <p:cNvPr id="59" name="Straight Arrow Connector 58">
+            <a:extLst>
+              <a:ext uri="{FF2B5EF4-FFF2-40B4-BE49-F238E27FC236}">
+                <a16:creationId xmlns:a16="http://schemas.microsoft.com/office/drawing/2014/main" id="{11367039-DE74-4D18-BBB0-F542193E4DE9}"/>
+              </a:ext>
+            </a:extLst>
+          </p:cNvPr>
+          <p:cNvCxnSpPr>
+            <a:cxnSpLocks/>
+            <a:stCxn id="35" idx="3"/>
+            <a:endCxn id="54" idx="1"/>
+          </p:cNvCxnSpPr>
+          <p:nvPr/>
+        </p:nvCxnSpPr>
+        <p:spPr>
+          <a:xfrm>
+            <a:off x="7572262" y="3442721"/>
+            <a:ext cx="616393" cy="0"/>
+          </a:xfrm>
+          <a:prstGeom prst="straightConnector1">
+            <a:avLst/>
+          </a:prstGeom>
+          <a:ln w="12700">
+            <a:solidFill>
+              <a:schemeClr val="tx2"/>
+            </a:solidFill>
+            <a:headEnd type="none" w="med" len="sm"/>
+            <a:tailEnd type="arrow" w="med" len="sm"/>
+          </a:ln>
+        </p:spPr>
+        <p:style>
+          <a:lnRef idx="1">
+            <a:schemeClr val="accent1"/>
+          </a:lnRef>
+          <a:fillRef idx="0">
+            <a:schemeClr val="accent1"/>
+          </a:fillRef>
+          <a:effectRef idx="0">
+            <a:schemeClr val="accent1"/>
+          </a:effectRef>
+          <a:fontRef idx="minor">
+            <a:schemeClr val="tx1"/>
+          </a:fontRef>
+        </p:style>
+      </p:cxnSp>
+      <p:pic>
+        <p:nvPicPr>
+          <p:cNvPr id="62" name="Graphic 22">
+            <a:extLst>
+              <a:ext uri="{FF2B5EF4-FFF2-40B4-BE49-F238E27FC236}">
+                <a16:creationId xmlns:a16="http://schemas.microsoft.com/office/drawing/2014/main" id="{F3903682-F367-461B-9E81-2C0B78972A92}"/>
+              </a:ext>
+            </a:extLst>
+          </p:cNvPr>
+          <p:cNvPicPr>
+            <a:picLocks noChangeAspect="1" noChangeArrowheads="1"/>
+          </p:cNvPicPr>
+          <p:nvPr/>
+        </p:nvPicPr>
+        <p:blipFill>
+          <a:blip r:embed="rId15">
+            <a:extLst>
+              <a:ext uri="{28A0092B-C50C-407E-A947-70E740481C1C}">
+                <a14:useLocalDpi xmlns:a14="http://schemas.microsoft.com/office/drawing/2010/main" val="0"/>
+              </a:ext>
+            </a:extLst>
+          </a:blip>
+          <a:srcRect/>
+          <a:stretch>
+            <a:fillRect/>
+          </a:stretch>
+        </p:blipFill>
+        <p:spPr bwMode="auto">
+          <a:xfrm>
+            <a:off x="9271846" y="3061721"/>
+            <a:ext cx="762000" cy="762000"/>
+          </a:xfrm>
+          <a:prstGeom prst="rect">
+            <a:avLst/>
+          </a:prstGeom>
+          <a:noFill/>
+          <a:ln>
+            <a:noFill/>
+          </a:ln>
+          <a:extLst>
+            <a:ext uri="{909E8E84-426E-40DD-AFC4-6F175D3DCCD1}">
+              <a14:hiddenFill xmlns:a14="http://schemas.microsoft.com/office/drawing/2010/main">
+                <a:solidFill>
+                  <a:srgbClr val="FFFFFF"/>
+                </a:solidFill>
+              </a14:hiddenFill>
+            </a:ext>
+            <a:ext uri="{91240B29-F687-4F45-9708-019B960494DF}">
+              <a14:hiddenLine xmlns:a14="http://schemas.microsoft.com/office/drawing/2010/main" w="9525">
+                <a:solidFill>
+                  <a:srgbClr val="000000"/>
+                </a:solidFill>
+                <a:miter lim="800000"/>
+                <a:headEnd/>
+                <a:tailEnd/>
+              </a14:hiddenLine>
+            </a:ext>
+          </a:extLst>
+        </p:spPr>
+      </p:pic>
+      <p:sp>
+        <p:nvSpPr>
+          <p:cNvPr id="63" name="TextBox 15">
+            <a:extLst>
+              <a:ext uri="{FF2B5EF4-FFF2-40B4-BE49-F238E27FC236}">
+                <a16:creationId xmlns:a16="http://schemas.microsoft.com/office/drawing/2014/main" id="{DC860083-CEBB-4217-87A6-7CAF819CF205}"/>
+              </a:ext>
+            </a:extLst>
+          </p:cNvPr>
+          <p:cNvSpPr txBox="1">
+            <a:spLocks noChangeArrowheads="1"/>
+          </p:cNvSpPr>
+          <p:nvPr/>
+        </p:nvSpPr>
+        <p:spPr bwMode="auto">
+          <a:xfrm>
+            <a:off x="8557471" y="3787467"/>
+            <a:ext cx="2201863" cy="276999"/>
+          </a:xfrm>
+          <a:prstGeom prst="rect">
+            <a:avLst/>
+          </a:prstGeom>
+          <a:noFill/>
+          <a:ln>
+            <a:noFill/>
+          </a:ln>
+          <a:extLst>
+            <a:ext uri="{909E8E84-426E-40DD-AFC4-6F175D3DCCD1}">
+              <a14:hiddenFill xmlns:a14="http://schemas.microsoft.com/office/drawing/2010/main">
+                <a:solidFill>
+                  <a:srgbClr val="FFFFFF"/>
+                </a:solidFill>
+              </a14:hiddenFill>
+            </a:ext>
+            <a:ext uri="{91240B29-F687-4F45-9708-019B960494DF}">
+              <a14:hiddenLine xmlns:a14="http://schemas.microsoft.com/office/drawing/2010/main" w="9525">
+                <a:solidFill>
+                  <a:srgbClr val="000000"/>
+                </a:solidFill>
+                <a:miter lim="800000"/>
+                <a:headEnd/>
+                <a:tailEnd/>
+              </a14:hiddenLine>
+            </a:ext>
+          </a:extLst>
+        </p:spPr>
+        <p:txBody>
+          <a:bodyPr>
+            <a:spAutoFit/>
+          </a:bodyPr>
+          <a:lstStyle>
+            <a:lvl1pPr>
+              <a:defRPr>
+                <a:solidFill>
+                  <a:schemeClr val="tx1"/>
+                </a:solidFill>
+                <a:latin typeface="Calibri" panose="020F0502020204030204" pitchFamily="34" charset="0"/>
+              </a:defRPr>
+            </a:lvl1pPr>
+            <a:lvl2pPr marL="742950" indent="-285750">
+              <a:defRPr>
+                <a:solidFill>
+                  <a:schemeClr val="tx1"/>
+                </a:solidFill>
+                <a:latin typeface="Calibri" panose="020F0502020204030204" pitchFamily="34" charset="0"/>
+              </a:defRPr>
+            </a:lvl2pPr>
+            <a:lvl3pPr marL="1143000" indent="-228600">
+              <a:defRPr>
+                <a:solidFill>
+                  <a:schemeClr val="tx1"/>
+                </a:solidFill>
+                <a:latin typeface="Calibri" panose="020F0502020204030204" pitchFamily="34" charset="0"/>
+              </a:defRPr>
+            </a:lvl3pPr>
+            <a:lvl4pPr marL="1600200" indent="-228600">
+              <a:defRPr>
+                <a:solidFill>
+                  <a:schemeClr val="tx1"/>
+                </a:solidFill>
+                <a:latin typeface="Calibri" panose="020F0502020204030204" pitchFamily="34" charset="0"/>
+              </a:defRPr>
+            </a:lvl4pPr>
+            <a:lvl5pPr marL="2057400" indent="-228600">
+              <a:defRPr>
+                <a:solidFill>
+                  <a:schemeClr val="tx1"/>
+                </a:solidFill>
+                <a:latin typeface="Calibri" panose="020F0502020204030204" pitchFamily="34" charset="0"/>
+              </a:defRPr>
+            </a:lvl5pPr>
+            <a:lvl6pPr marL="2514600" indent="-228600" eaLnBrk="0" fontAlgn="base" hangingPunct="0">
+              <a:spcBef>
+                <a:spcPct val="0"/>
+              </a:spcBef>
+              <a:spcAft>
+                <a:spcPct val="0"/>
+              </a:spcAft>
+              <a:defRPr>
+                <a:solidFill>
+                  <a:schemeClr val="tx1"/>
+                </a:solidFill>
+                <a:latin typeface="Calibri" panose="020F0502020204030204" pitchFamily="34" charset="0"/>
+              </a:defRPr>
+            </a:lvl6pPr>
+            <a:lvl7pPr marL="2971800" indent="-228600" eaLnBrk="0" fontAlgn="base" hangingPunct="0">
+              <a:spcBef>
+                <a:spcPct val="0"/>
+              </a:spcBef>
+              <a:spcAft>
+                <a:spcPct val="0"/>
+              </a:spcAft>
+              <a:defRPr>
+                <a:solidFill>
+                  <a:schemeClr val="tx1"/>
+                </a:solidFill>
+                <a:latin typeface="Calibri" panose="020F0502020204030204" pitchFamily="34" charset="0"/>
+              </a:defRPr>
+            </a:lvl7pPr>
+            <a:lvl8pPr marL="3429000" indent="-228600" eaLnBrk="0" fontAlgn="base" hangingPunct="0">
+              <a:spcBef>
+                <a:spcPct val="0"/>
+              </a:spcBef>
+              <a:spcAft>
+                <a:spcPct val="0"/>
+              </a:spcAft>
+              <a:defRPr>
+                <a:solidFill>
+                  <a:schemeClr val="tx1"/>
+                </a:solidFill>
+                <a:latin typeface="Calibri" panose="020F0502020204030204" pitchFamily="34" charset="0"/>
+              </a:defRPr>
+            </a:lvl8pPr>
+            <a:lvl9pPr marL="3886200" indent="-228600" eaLnBrk="0" fontAlgn="base" hangingPunct="0">
+              <a:spcBef>
+                <a:spcPct val="0"/>
+              </a:spcBef>
+              <a:spcAft>
+                <a:spcPct val="0"/>
+              </a:spcAft>
+              <a:defRPr>
+                <a:solidFill>
+                  <a:schemeClr val="tx1"/>
+                </a:solidFill>
+                <a:latin typeface="Calibri" panose="020F0502020204030204" pitchFamily="34" charset="0"/>
+              </a:defRPr>
+            </a:lvl9pPr>
+          </a:lstStyle>
+          <a:p>
+            <a:pPr algn="ctr" eaLnBrk="1" hangingPunct="1"/>
+            <a:r>
+              <a:rPr lang="en-US" altLang="en-US" sz="1200" dirty="0">
+                <a:latin typeface="Arial" panose="020B0604020202020204" pitchFamily="34" charset="0"/>
+                <a:ea typeface="Amazon Ember" panose="020B0603020204020204" pitchFamily="34" charset="0"/>
+                <a:cs typeface="Arial" panose="020B0604020202020204" pitchFamily="34" charset="0"/>
+              </a:rPr>
+              <a:t>Amazon </a:t>
+            </a:r>
+            <a:r>
+              <a:rPr lang="en-US" altLang="en-US" sz="1200" dirty="0" err="1">
+                <a:latin typeface="Arial" panose="020B0604020202020204" pitchFamily="34" charset="0"/>
+                <a:ea typeface="Amazon Ember" panose="020B0603020204020204" pitchFamily="34" charset="0"/>
+                <a:cs typeface="Arial" panose="020B0604020202020204" pitchFamily="34" charset="0"/>
+              </a:rPr>
+              <a:t>SageMaker</a:t>
+            </a:r>
+            <a:endParaRPr lang="en-US" altLang="en-US" sz="1200" dirty="0">
+              <a:latin typeface="Arial" panose="020B0604020202020204" pitchFamily="34" charset="0"/>
+              <a:ea typeface="Amazon Ember" panose="020B0603020204020204" pitchFamily="34" charset="0"/>
+              <a:cs typeface="Arial" panose="020B0604020202020204" pitchFamily="34" charset="0"/>
+            </a:endParaRPr>
+          </a:p>
+        </p:txBody>
+      </p:sp>
+      <p:sp>
+        <p:nvSpPr>
+          <p:cNvPr id="64" name="TextBox 20">
+            <a:extLst>
+              <a:ext uri="{FF2B5EF4-FFF2-40B4-BE49-F238E27FC236}">
+                <a16:creationId xmlns:a16="http://schemas.microsoft.com/office/drawing/2014/main" id="{E510638E-91B8-4C41-9635-CD3E8C361ABE}"/>
+              </a:ext>
+            </a:extLst>
+          </p:cNvPr>
+          <p:cNvSpPr txBox="1">
+            <a:spLocks noChangeArrowheads="1"/>
+          </p:cNvSpPr>
+          <p:nvPr/>
+        </p:nvSpPr>
+        <p:spPr bwMode="auto">
+          <a:xfrm>
+            <a:off x="8772860" y="5853220"/>
+            <a:ext cx="1129688" cy="261610"/>
+          </a:xfrm>
+          <a:prstGeom prst="rect">
+            <a:avLst/>
+          </a:prstGeom>
+          <a:noFill/>
+          <a:ln>
+            <a:noFill/>
+          </a:ln>
+          <a:extLst>
+            <a:ext uri="{909E8E84-426E-40DD-AFC4-6F175D3DCCD1}">
+              <a14:hiddenFill xmlns:a14="http://schemas.microsoft.com/office/drawing/2010/main">
+                <a:solidFill>
+                  <a:srgbClr val="FFFFFF"/>
+                </a:solidFill>
+              </a14:hiddenFill>
+            </a:ext>
+            <a:ext uri="{91240B29-F687-4F45-9708-019B960494DF}">
+              <a14:hiddenLine xmlns:a14="http://schemas.microsoft.com/office/drawing/2010/main" w="9525">
+                <a:solidFill>
+                  <a:srgbClr val="000000"/>
+                </a:solidFill>
+                <a:miter lim="800000"/>
+                <a:headEnd/>
+                <a:tailEnd/>
+              </a14:hiddenLine>
+            </a:ext>
+          </a:extLst>
+        </p:spPr>
+        <p:txBody>
+          <a:bodyPr wrap="square">
+            <a:spAutoFit/>
+          </a:bodyPr>
+          <a:lstStyle>
+            <a:lvl1pPr>
+              <a:defRPr>
+                <a:solidFill>
+                  <a:schemeClr val="tx1"/>
+                </a:solidFill>
+                <a:latin typeface="Calibri" panose="020F0502020204030204" pitchFamily="34" charset="0"/>
+              </a:defRPr>
+            </a:lvl1pPr>
+            <a:lvl2pPr marL="742950" indent="-285750">
+              <a:defRPr>
+                <a:solidFill>
+                  <a:schemeClr val="tx1"/>
+                </a:solidFill>
+                <a:latin typeface="Calibri" panose="020F0502020204030204" pitchFamily="34" charset="0"/>
+              </a:defRPr>
+            </a:lvl2pPr>
+            <a:lvl3pPr marL="1143000" indent="-228600">
+              <a:defRPr>
+                <a:solidFill>
+                  <a:schemeClr val="tx1"/>
+                </a:solidFill>
+                <a:latin typeface="Calibri" panose="020F0502020204030204" pitchFamily="34" charset="0"/>
+              </a:defRPr>
+            </a:lvl3pPr>
+            <a:lvl4pPr marL="1600200" indent="-228600">
+              <a:defRPr>
+                <a:solidFill>
+                  <a:schemeClr val="tx1"/>
+                </a:solidFill>
+                <a:latin typeface="Calibri" panose="020F0502020204030204" pitchFamily="34" charset="0"/>
+              </a:defRPr>
+            </a:lvl4pPr>
+            <a:lvl5pPr marL="2057400" indent="-228600">
+              <a:defRPr>
+                <a:solidFill>
+                  <a:schemeClr val="tx1"/>
+                </a:solidFill>
+                <a:latin typeface="Calibri" panose="020F0502020204030204" pitchFamily="34" charset="0"/>
+              </a:defRPr>
+            </a:lvl5pPr>
+            <a:lvl6pPr marL="2514600" indent="-228600" eaLnBrk="0" fontAlgn="base" hangingPunct="0">
+              <a:spcBef>
+                <a:spcPct val="0"/>
+              </a:spcBef>
+              <a:spcAft>
+                <a:spcPct val="0"/>
+              </a:spcAft>
+              <a:defRPr>
+                <a:solidFill>
+                  <a:schemeClr val="tx1"/>
+                </a:solidFill>
+                <a:latin typeface="Calibri" panose="020F0502020204030204" pitchFamily="34" charset="0"/>
+              </a:defRPr>
+            </a:lvl6pPr>
+            <a:lvl7pPr marL="2971800" indent="-228600" eaLnBrk="0" fontAlgn="base" hangingPunct="0">
+              <a:spcBef>
+                <a:spcPct val="0"/>
+              </a:spcBef>
+              <a:spcAft>
+                <a:spcPct val="0"/>
+              </a:spcAft>
+              <a:defRPr>
+                <a:solidFill>
+                  <a:schemeClr val="tx1"/>
+                </a:solidFill>
+                <a:latin typeface="Calibri" panose="020F0502020204030204" pitchFamily="34" charset="0"/>
+              </a:defRPr>
+            </a:lvl7pPr>
+            <a:lvl8pPr marL="3429000" indent="-228600" eaLnBrk="0" fontAlgn="base" hangingPunct="0">
+              <a:spcBef>
+                <a:spcPct val="0"/>
+              </a:spcBef>
+              <a:spcAft>
+                <a:spcPct val="0"/>
+              </a:spcAft>
+              <a:defRPr>
+                <a:solidFill>
+                  <a:schemeClr val="tx1"/>
+                </a:solidFill>
+                <a:latin typeface="Calibri" panose="020F0502020204030204" pitchFamily="34" charset="0"/>
+              </a:defRPr>
+            </a:lvl8pPr>
+            <a:lvl9pPr marL="3886200" indent="-228600" eaLnBrk="0" fontAlgn="base" hangingPunct="0">
+              <a:spcBef>
+                <a:spcPct val="0"/>
+              </a:spcBef>
+              <a:spcAft>
+                <a:spcPct val="0"/>
+              </a:spcAft>
+              <a:defRPr>
+                <a:solidFill>
+                  <a:schemeClr val="tx1"/>
+                </a:solidFill>
+                <a:latin typeface="Calibri" panose="020F0502020204030204" pitchFamily="34" charset="0"/>
+              </a:defRPr>
+            </a:lvl9pPr>
+          </a:lstStyle>
+          <a:p>
+            <a:pPr algn="ctr" eaLnBrk="1" hangingPunct="1"/>
+            <a:r>
+              <a:rPr lang="en-US" altLang="en-US" sz="1100">
+                <a:latin typeface="Arial" panose="020B0604020202020204" pitchFamily="34" charset="0"/>
+                <a:ea typeface="Amazon Ember" panose="020B0603020204020204" pitchFamily="34" charset="0"/>
+                <a:cs typeface="Arial" panose="020B0604020202020204" pitchFamily="34" charset="0"/>
+              </a:rPr>
+              <a:t>Model</a:t>
+            </a:r>
+          </a:p>
+        </p:txBody>
+      </p:sp>
+      <p:pic>
+        <p:nvPicPr>
+          <p:cNvPr id="65" name="Graphic 28">
+            <a:extLst>
+              <a:ext uri="{FF2B5EF4-FFF2-40B4-BE49-F238E27FC236}">
+                <a16:creationId xmlns:a16="http://schemas.microsoft.com/office/drawing/2014/main" id="{1D880696-267B-4D02-A9E9-E6918FE5698A}"/>
+              </a:ext>
+            </a:extLst>
+          </p:cNvPr>
+          <p:cNvPicPr>
+            <a:picLocks noChangeAspect="1" noChangeArrowheads="1"/>
+          </p:cNvPicPr>
+          <p:nvPr/>
+        </p:nvPicPr>
+        <p:blipFill>
+          <a:blip r:embed="rId16">
+            <a:extLst>
+              <a:ext uri="{28A0092B-C50C-407E-A947-70E740481C1C}">
+                <a14:useLocalDpi xmlns:a14="http://schemas.microsoft.com/office/drawing/2010/main" val="0"/>
+              </a:ext>
+            </a:extLst>
+          </a:blip>
+          <a:srcRect/>
+          <a:stretch>
+            <a:fillRect/>
+          </a:stretch>
+        </p:blipFill>
+        <p:spPr bwMode="auto">
+          <a:xfrm>
+            <a:off x="9103979" y="5402370"/>
+            <a:ext cx="457200" cy="457200"/>
+          </a:xfrm>
+          <a:prstGeom prst="rect">
+            <a:avLst/>
+          </a:prstGeom>
+          <a:noFill/>
+          <a:ln>
+            <a:noFill/>
+          </a:ln>
+          <a:extLst>
+            <a:ext uri="{909E8E84-426E-40DD-AFC4-6F175D3DCCD1}">
+              <a14:hiddenFill xmlns:a14="http://schemas.microsoft.com/office/drawing/2010/main">
+                <a:solidFill>
+                  <a:srgbClr val="FFFFFF"/>
+                </a:solidFill>
+              </a14:hiddenFill>
+            </a:ext>
+            <a:ext uri="{91240B29-F687-4F45-9708-019B960494DF}">
+              <a14:hiddenLine xmlns:a14="http://schemas.microsoft.com/office/drawing/2010/main" w="9525">
+                <a:solidFill>
+                  <a:srgbClr val="000000"/>
+                </a:solidFill>
+                <a:miter lim="800000"/>
+                <a:headEnd/>
+                <a:tailEnd/>
+              </a14:hiddenLine>
+            </a:ext>
+          </a:extLst>
+        </p:spPr>
+      </p:pic>
+      <p:sp>
+        <p:nvSpPr>
+          <p:cNvPr id="66" name="Freeform 60">
+            <a:extLst>
+              <a:ext uri="{FF2B5EF4-FFF2-40B4-BE49-F238E27FC236}">
+                <a16:creationId xmlns:a16="http://schemas.microsoft.com/office/drawing/2014/main" id="{E493988D-0380-41B2-8EF8-9BC523E0F499}"/>
+              </a:ext>
+            </a:extLst>
+          </p:cNvPr>
+          <p:cNvSpPr/>
+          <p:nvPr/>
+        </p:nvSpPr>
+        <p:spPr>
+          <a:xfrm rot="10800000" flipH="1" flipV="1">
+            <a:off x="7572262" y="2282961"/>
+            <a:ext cx="852519" cy="931160"/>
+          </a:xfrm>
+          <a:custGeom>
+            <a:avLst/>
+            <a:gdLst>
+              <a:gd name="connsiteX0" fmla="*/ 1371600 w 1371600"/>
+              <a:gd name="connsiteY0" fmla="*/ 711200 h 711200"/>
+              <a:gd name="connsiteX1" fmla="*/ 1371600 w 1371600"/>
+              <a:gd name="connsiteY1" fmla="*/ 0 h 711200"/>
+              <a:gd name="connsiteX2" fmla="*/ 0 w 1371600"/>
+              <a:gd name="connsiteY2" fmla="*/ 0 h 711200"/>
+            </a:gdLst>
+            <a:ahLst/>
+            <a:cxnLst>
+              <a:cxn ang="0">
+                <a:pos x="connsiteX0" y="connsiteY0"/>
+              </a:cxn>
+              <a:cxn ang="0">
+                <a:pos x="connsiteX1" y="connsiteY1"/>
+              </a:cxn>
+              <a:cxn ang="0">
+                <a:pos x="connsiteX2" y="connsiteY2"/>
+              </a:cxn>
+            </a:cxnLst>
+            <a:rect l="l" t="t" r="r" b="b"/>
+            <a:pathLst>
+              <a:path w="1371600" h="711200">
+                <a:moveTo>
+                  <a:pt x="1371600" y="711200"/>
+                </a:moveTo>
+                <a:lnTo>
+                  <a:pt x="1371600" y="0"/>
+                </a:lnTo>
+                <a:lnTo>
+                  <a:pt x="0" y="0"/>
+                </a:lnTo>
+              </a:path>
+            </a:pathLst>
+          </a:custGeom>
+          <a:noFill/>
+          <a:ln w="12700">
+            <a:solidFill>
+              <a:schemeClr val="tx2"/>
+            </a:solidFill>
+            <a:headEnd type="none" w="med" len="sm"/>
+            <a:tailEnd type="arrow" w="med" len="sm"/>
+          </a:ln>
+        </p:spPr>
+        <p:style>
+          <a:lnRef idx="2">
+            <a:schemeClr val="accent1">
+              <a:shade val="50000"/>
+            </a:schemeClr>
+          </a:lnRef>
+          <a:fillRef idx="1">
+            <a:schemeClr val="accent1"/>
+          </a:fillRef>
+          <a:effectRef idx="0">
+            <a:schemeClr val="accent1"/>
+          </a:effectRef>
+          <a:fontRef idx="minor">
+            <a:schemeClr val="lt1"/>
+          </a:fontRef>
+        </p:style>
+        <p:txBody>
+          <a:bodyPr anchor="ctr"/>
+          <a:lstStyle/>
+          <a:p>
+            <a:pPr algn="ctr" eaLnBrk="1" fontAlgn="auto" hangingPunct="1">
+              <a:spcBef>
+                <a:spcPts val="0"/>
+              </a:spcBef>
+              <a:spcAft>
+                <a:spcPts val="0"/>
+              </a:spcAft>
+              <a:defRPr/>
+            </a:pPr>
+            <a:endParaRPr lang="en-US" dirty="0"/>
+          </a:p>
+        </p:txBody>
+      </p:sp>
+      <p:cxnSp>
+        <p:nvCxnSpPr>
+          <p:cNvPr id="67" name="Straight Arrow Connector 66">
+            <a:extLst>
+              <a:ext uri="{FF2B5EF4-FFF2-40B4-BE49-F238E27FC236}">
+                <a16:creationId xmlns:a16="http://schemas.microsoft.com/office/drawing/2014/main" id="{A0D4EBB5-6C9E-40FF-9F54-1BEFC17F4AC3}"/>
+              </a:ext>
+            </a:extLst>
+          </p:cNvPr>
+          <p:cNvCxnSpPr>
+            <a:cxnSpLocks/>
+            <a:stCxn id="54" idx="3"/>
+            <a:endCxn id="62" idx="1"/>
+          </p:cNvCxnSpPr>
+          <p:nvPr/>
+        </p:nvCxnSpPr>
+        <p:spPr>
+          <a:xfrm>
+            <a:off x="8645855" y="3442721"/>
+            <a:ext cx="625991" cy="0"/>
+          </a:xfrm>
+          <a:prstGeom prst="straightConnector1">
+            <a:avLst/>
+          </a:prstGeom>
+          <a:ln w="12700">
+            <a:solidFill>
+              <a:schemeClr val="tx2"/>
+            </a:solidFill>
+            <a:headEnd type="arrow" w="med" len="sm"/>
+            <a:tailEnd type="none" w="med" len="sm"/>
+          </a:ln>
+        </p:spPr>
+        <p:style>
+          <a:lnRef idx="1">
+            <a:schemeClr val="accent1"/>
+          </a:lnRef>
+          <a:fillRef idx="0">
+            <a:schemeClr val="accent1"/>
+          </a:fillRef>
+          <a:effectRef idx="0">
+            <a:schemeClr val="accent1"/>
+          </a:effectRef>
+          <a:fontRef idx="minor">
+            <a:schemeClr val="tx1"/>
+          </a:fontRef>
+        </p:style>
+      </p:cxnSp>
+    </p:spTree>
+    <p:extLst>
+      <p:ext uri="{BB962C8B-B14F-4D97-AF65-F5344CB8AC3E}">
+        <p14:creationId xmlns:p14="http://schemas.microsoft.com/office/powerpoint/2010/main" val="2259015602"/>
+      </p:ext>
+    </p:extLst>
+  </p:cSld>
+  <p:clrMapOvr>
+    <a:masterClrMapping/>
+  </p:clrMapOvr>
+</p:sld>
+</file>
+
 <file path=ppt/theme/theme1.xml><?xml version="1.0" encoding="utf-8"?>
 <a:theme xmlns:a="http://schemas.openxmlformats.org/drawingml/2006/main" name="Office Theme">
   <a:themeElements>
